--- a/Sallary gap predictionfrom Presentation 1_1_17.pptx
+++ b/Sallary gap predictionfrom Presentation 1_1_17.pptx
@@ -12,9 +12,15 @@
     <p:sldId id="261" r:id="rId6"/>
     <p:sldId id="263" r:id="rId7"/>
     <p:sldId id="269" r:id="rId8"/>
-    <p:sldId id="262" r:id="rId9"/>
-    <p:sldId id="268" r:id="rId10"/>
-    <p:sldId id="265" r:id="rId11"/>
+    <p:sldId id="273" r:id="rId9"/>
+    <p:sldId id="274" r:id="rId10"/>
+    <p:sldId id="262" r:id="rId11"/>
+    <p:sldId id="270" r:id="rId12"/>
+    <p:sldId id="275" r:id="rId13"/>
+    <p:sldId id="271" r:id="rId14"/>
+    <p:sldId id="272" r:id="rId15"/>
+    <p:sldId id="268" r:id="rId16"/>
+    <p:sldId id="265" r:id="rId17"/>
   </p:sldIdLst>
   <p:sldSz cx="12192000" cy="6858000"/>
   <p:notesSz cx="6858000" cy="9144000"/>
@@ -4378,40 +4384,700 @@
             <p:ph type="title"/>
           </p:nvPr>
         </p:nvSpPr>
+        <p:spPr/>
+        <p:txBody>
+          <a:bodyPr/>
+          <a:lstStyle/>
+          <a:p>
+            <a:r>
+              <a:rPr lang="en-US" dirty="0" smtClean="0"/>
+              <a:t>Challenges</a:t>
+            </a:r>
+            <a:endParaRPr lang="en-US" dirty="0"/>
+          </a:p>
+        </p:txBody>
+      </p:sp>
+      <p:sp>
+        <p:nvSpPr>
+          <p:cNvPr id="3" name="Content Placeholder 2"/>
+          <p:cNvSpPr>
+            <a:spLocks noGrp="1"/>
+          </p:cNvSpPr>
+          <p:nvPr>
+            <p:ph idx="1"/>
+          </p:nvPr>
+        </p:nvSpPr>
         <p:spPr>
           <a:xfrm>
-            <a:off x="577702" y="387413"/>
-            <a:ext cx="10058400" cy="1371600"/>
+            <a:off x="696433" y="1788159"/>
+            <a:ext cx="10134127" cy="4639221"/>
           </a:xfrm>
         </p:spPr>
         <p:txBody>
+          <a:bodyPr>
+            <a:normAutofit/>
+          </a:bodyPr>
+          <a:lstStyle/>
+          <a:p>
+            <a:r>
+              <a:rPr lang="en-US" dirty="0"/>
+              <a:t>Many missing </a:t>
+            </a:r>
+            <a:r>
+              <a:rPr lang="en-US" dirty="0" smtClean="0"/>
+              <a:t>Values – dropping irrelevant columns and dropping records with over 90% null data:</a:t>
+            </a:r>
+          </a:p>
+          <a:p>
+            <a:endParaRPr lang="en-US" dirty="0"/>
+          </a:p>
+          <a:p>
+            <a:endParaRPr lang="en-US" dirty="0" smtClean="0"/>
+          </a:p>
+          <a:p>
+            <a:endParaRPr lang="en-US" dirty="0"/>
+          </a:p>
+          <a:p>
+            <a:endParaRPr lang="en-US" dirty="0" smtClean="0"/>
+          </a:p>
+          <a:p>
+            <a:endParaRPr lang="en-US" dirty="0"/>
+          </a:p>
+          <a:p>
+            <a:r>
+              <a:rPr lang="en-US" dirty="0" smtClean="0"/>
+              <a:t>Not </a:t>
+            </a:r>
+            <a:r>
+              <a:rPr lang="en-US" dirty="0"/>
+              <a:t>normalized.</a:t>
+            </a:r>
+          </a:p>
+          <a:p>
+            <a:pPr marL="274320" lvl="1" indent="0">
+              <a:buNone/>
+            </a:pPr>
+            <a:endParaRPr lang="en-US" dirty="0"/>
+          </a:p>
+          <a:p>
+            <a:pPr marL="274320" lvl="1" indent="0">
+              <a:buNone/>
+            </a:pPr>
+            <a:endParaRPr lang="en-US" dirty="0" smtClean="0"/>
+          </a:p>
+          <a:p>
+            <a:r>
+              <a:rPr lang="en-US" dirty="0" smtClean="0"/>
+              <a:t>Duplicate values in OECD Data</a:t>
+            </a:r>
+          </a:p>
+          <a:p>
+            <a:pPr lvl="1"/>
+            <a:r>
+              <a:rPr lang="en-US" dirty="0" smtClean="0"/>
+              <a:t>‘subject’ column create duplicate </a:t>
+            </a:r>
+            <a:r>
+              <a:rPr lang="en-US" dirty="0" smtClean="0"/>
+              <a:t>(Total, Self-employed</a:t>
+            </a:r>
+            <a:r>
+              <a:rPr lang="en-US" dirty="0" smtClean="0"/>
+              <a:t>) </a:t>
+            </a:r>
+          </a:p>
+          <a:p>
+            <a:endParaRPr lang="en-US" dirty="0"/>
+          </a:p>
+        </p:txBody>
+      </p:sp>
+      <p:pic>
+        <p:nvPicPr>
+          <p:cNvPr id="4" name="Picture 3"/>
+          <p:cNvPicPr>
+            <a:picLocks noChangeAspect="1"/>
+          </p:cNvPicPr>
+          <p:nvPr/>
+        </p:nvPicPr>
+        <p:blipFill>
+          <a:blip r:embed="rId2"/>
+          <a:stretch>
+            <a:fillRect/>
+          </a:stretch>
+        </p:blipFill>
+        <p:spPr>
+          <a:xfrm>
+            <a:off x="3856192" y="2157122"/>
+            <a:ext cx="4826000" cy="2164851"/>
+          </a:xfrm>
+          <a:prstGeom prst="rect">
+            <a:avLst/>
+          </a:prstGeom>
+        </p:spPr>
+      </p:pic>
+      <p:pic>
+        <p:nvPicPr>
+          <p:cNvPr id="5" name="Picture 4"/>
+          <p:cNvPicPr>
+            <a:picLocks noChangeAspect="1"/>
+          </p:cNvPicPr>
+          <p:nvPr/>
+        </p:nvPicPr>
+        <p:blipFill>
+          <a:blip r:embed="rId3"/>
+          <a:stretch>
+            <a:fillRect/>
+          </a:stretch>
+        </p:blipFill>
+        <p:spPr>
+          <a:xfrm>
+            <a:off x="3611246" y="4464901"/>
+            <a:ext cx="5171955" cy="782338"/>
+          </a:xfrm>
+          <a:prstGeom prst="rect">
+            <a:avLst/>
+          </a:prstGeom>
+        </p:spPr>
+      </p:pic>
+      <p:pic>
+        <p:nvPicPr>
+          <p:cNvPr id="6" name="Picture 5"/>
+          <p:cNvPicPr>
+            <a:picLocks noChangeAspect="1"/>
+          </p:cNvPicPr>
+          <p:nvPr/>
+        </p:nvPicPr>
+        <p:blipFill>
+          <a:blip r:embed="rId4"/>
+          <a:stretch>
+            <a:fillRect/>
+          </a:stretch>
+        </p:blipFill>
+        <p:spPr>
+          <a:xfrm>
+            <a:off x="4278549" y="6148225"/>
+            <a:ext cx="6846651" cy="279155"/>
+          </a:xfrm>
+          <a:prstGeom prst="rect">
+            <a:avLst/>
+          </a:prstGeom>
+        </p:spPr>
+      </p:pic>
+    </p:spTree>
+    <p:extLst>
+      <p:ext uri="{BB962C8B-B14F-4D97-AF65-F5344CB8AC3E}">
+        <p14:creationId xmlns:p14="http://schemas.microsoft.com/office/powerpoint/2010/main" val="1864583965"/>
+      </p:ext>
+    </p:extLst>
+  </p:cSld>
+  <p:clrMapOvr>
+    <a:masterClrMapping/>
+  </p:clrMapOvr>
+  <p:timing>
+    <p:tnLst>
+      <p:par>
+        <p:cTn id="1" dur="indefinite" restart="never" nodeType="tmRoot"/>
+      </p:par>
+    </p:tnLst>
+  </p:timing>
+</p:sld>
+</file>
+
+<file path=ppt/slides/slide11.xml><?xml version="1.0" encoding="utf-8"?>
+<p:sld xmlns:a="http://schemas.openxmlformats.org/drawingml/2006/main" xmlns:r="http://schemas.openxmlformats.org/officeDocument/2006/relationships" xmlns:p="http://schemas.openxmlformats.org/presentationml/2006/main">
+  <p:cSld>
+    <p:spTree>
+      <p:nvGrpSpPr>
+        <p:cNvPr id="1" name=""/>
+        <p:cNvGrpSpPr/>
+        <p:nvPr/>
+      </p:nvGrpSpPr>
+      <p:grpSpPr>
+        <a:xfrm>
+          <a:off x="0" y="0"/>
+          <a:ext cx="0" cy="0"/>
+          <a:chOff x="0" y="0"/>
+          <a:chExt cx="0" cy="0"/>
+        </a:xfrm>
+      </p:grpSpPr>
+      <p:sp>
+        <p:nvSpPr>
+          <p:cNvPr id="2" name="Title 1"/>
+          <p:cNvSpPr>
+            <a:spLocks noGrp="1"/>
+          </p:cNvSpPr>
+          <p:nvPr>
+            <p:ph type="title"/>
+          </p:nvPr>
+        </p:nvSpPr>
+        <p:spPr/>
+        <p:txBody>
           <a:bodyPr/>
           <a:lstStyle/>
           <a:p>
             <a:r>
+              <a:rPr lang="en-US" dirty="0" smtClean="0"/>
+              <a:t>Data Statistics</a:t>
+            </a:r>
+            <a:endParaRPr lang="en-US" dirty="0"/>
+          </a:p>
+        </p:txBody>
+      </p:sp>
+      <p:sp>
+        <p:nvSpPr>
+          <p:cNvPr id="3" name="Content Placeholder 2"/>
+          <p:cNvSpPr>
+            <a:spLocks noGrp="1"/>
+          </p:cNvSpPr>
+          <p:nvPr>
+            <p:ph idx="1"/>
+          </p:nvPr>
+        </p:nvSpPr>
+        <p:spPr/>
+        <p:txBody>
+          <a:bodyPr/>
+          <a:lstStyle/>
+          <a:p>
+            <a:r>
+              <a:rPr lang="en-US" dirty="0" smtClean="0"/>
+              <a:t>Histogram of Wage Gap</a:t>
+            </a:r>
+          </a:p>
+          <a:p>
+            <a:endParaRPr lang="en-US" dirty="0"/>
+          </a:p>
+        </p:txBody>
+      </p:sp>
+      <p:pic>
+        <p:nvPicPr>
+          <p:cNvPr id="4" name="Picture 3"/>
+          <p:cNvPicPr>
+            <a:picLocks noChangeAspect="1"/>
+          </p:cNvPicPr>
+          <p:nvPr/>
+        </p:nvPicPr>
+        <p:blipFill>
+          <a:blip r:embed="rId2"/>
+          <a:stretch>
+            <a:fillRect/>
+          </a:stretch>
+        </p:blipFill>
+        <p:spPr>
+          <a:xfrm>
+            <a:off x="4404166" y="2103120"/>
+            <a:ext cx="5636871" cy="3858573"/>
+          </a:xfrm>
+          <a:prstGeom prst="rect">
+            <a:avLst/>
+          </a:prstGeom>
+        </p:spPr>
+      </p:pic>
+    </p:spTree>
+    <p:extLst>
+      <p:ext uri="{BB962C8B-B14F-4D97-AF65-F5344CB8AC3E}">
+        <p14:creationId xmlns:p14="http://schemas.microsoft.com/office/powerpoint/2010/main" val="3715585933"/>
+      </p:ext>
+    </p:extLst>
+  </p:cSld>
+  <p:clrMapOvr>
+    <a:masterClrMapping/>
+  </p:clrMapOvr>
+  <p:timing>
+    <p:tnLst>
+      <p:par>
+        <p:cTn id="1" dur="indefinite" restart="never" nodeType="tmRoot"/>
+      </p:par>
+    </p:tnLst>
+  </p:timing>
+</p:sld>
+</file>
+
+<file path=ppt/slides/slide12.xml><?xml version="1.0" encoding="utf-8"?>
+<p:sld xmlns:a="http://schemas.openxmlformats.org/drawingml/2006/main" xmlns:r="http://schemas.openxmlformats.org/officeDocument/2006/relationships" xmlns:p="http://schemas.openxmlformats.org/presentationml/2006/main">
+  <p:cSld>
+    <p:spTree>
+      <p:nvGrpSpPr>
+        <p:cNvPr id="1" name=""/>
+        <p:cNvGrpSpPr/>
+        <p:nvPr/>
+      </p:nvGrpSpPr>
+      <p:grpSpPr>
+        <a:xfrm>
+          <a:off x="0" y="0"/>
+          <a:ext cx="0" cy="0"/>
+          <a:chOff x="0" y="0"/>
+          <a:chExt cx="0" cy="0"/>
+        </a:xfrm>
+      </p:grpSpPr>
+      <p:sp>
+        <p:nvSpPr>
+          <p:cNvPr id="2" name="Title 1"/>
+          <p:cNvSpPr>
+            <a:spLocks noGrp="1"/>
+          </p:cNvSpPr>
+          <p:nvPr>
+            <p:ph type="title"/>
+          </p:nvPr>
+        </p:nvSpPr>
+        <p:spPr/>
+        <p:txBody>
+          <a:bodyPr/>
+          <a:lstStyle/>
+          <a:p>
+            <a:r>
               <a:rPr lang="en-US" dirty="0"/>
-              <a:t>Implementation plan (2)</a:t>
+              <a:t>Data Statistics</a:t>
+            </a:r>
+          </a:p>
+        </p:txBody>
+      </p:sp>
+      <p:sp>
+        <p:nvSpPr>
+          <p:cNvPr id="3" name="Content Placeholder 2"/>
+          <p:cNvSpPr>
+            <a:spLocks noGrp="1"/>
+          </p:cNvSpPr>
+          <p:nvPr>
+            <p:ph idx="1"/>
+          </p:nvPr>
+        </p:nvSpPr>
+        <p:spPr/>
+        <p:txBody>
+          <a:bodyPr/>
+          <a:lstStyle/>
+          <a:p>
+            <a:r>
+              <a:rPr lang="en-US" dirty="0" smtClean="0"/>
+              <a:t>Wage gap Ratio vs years</a:t>
+            </a:r>
+          </a:p>
+          <a:p>
+            <a:r>
+              <a:rPr lang="en-US" dirty="0" smtClean="0">
+                <a:solidFill>
+                  <a:srgbClr val="FF0000"/>
+                </a:solidFill>
+              </a:rPr>
+              <a:t>Red</a:t>
+            </a:r>
+            <a:r>
+              <a:rPr lang="en-US" dirty="0" smtClean="0"/>
+              <a:t> – countries not in </a:t>
+            </a:r>
+            <a:r>
+              <a:rPr lang="en-US" dirty="0" err="1" smtClean="0"/>
+              <a:t>featurs</a:t>
+            </a:r>
+            <a:r>
+              <a:rPr lang="en-US" dirty="0" smtClean="0"/>
+              <a:t>.</a:t>
+            </a:r>
+          </a:p>
+          <a:p>
+            <a:r>
+              <a:rPr lang="en-US" dirty="0" smtClean="0">
+                <a:solidFill>
+                  <a:srgbClr val="00B050"/>
+                </a:solidFill>
+              </a:rPr>
+              <a:t>Green-</a:t>
+            </a:r>
+            <a:r>
+              <a:rPr lang="en-US" dirty="0" smtClean="0"/>
+              <a:t> countries selected in</a:t>
+            </a:r>
+          </a:p>
+          <a:p>
+            <a:pPr marL="0" indent="0">
+              <a:buNone/>
+            </a:pPr>
+            <a:r>
+              <a:rPr lang="en-US" dirty="0" smtClean="0"/>
+              <a:t> features</a:t>
+            </a:r>
+          </a:p>
+          <a:p>
+            <a:pPr>
+              <a:buFont typeface="Courier New" panose="02070309020205020404" pitchFamily="49" charset="0"/>
+              <a:buChar char="o"/>
+            </a:pPr>
+            <a:r>
+              <a:rPr lang="en-US" dirty="0" smtClean="0">
+                <a:solidFill>
+                  <a:srgbClr val="0070C0"/>
+                </a:solidFill>
+              </a:rPr>
+              <a:t>Blue</a:t>
+            </a:r>
+            <a:r>
+              <a:rPr lang="en-US" dirty="0" smtClean="0"/>
+              <a:t> – average on all countries</a:t>
+            </a:r>
+          </a:p>
+          <a:p>
+            <a:pPr marL="0" indent="0">
+              <a:buNone/>
+            </a:pPr>
+            <a:r>
+              <a:rPr lang="en-US" dirty="0" smtClean="0"/>
+              <a:t>Per year.</a:t>
+            </a:r>
+          </a:p>
+          <a:p>
+            <a:pPr marL="0" indent="0">
+              <a:buNone/>
+            </a:pPr>
+            <a:endParaRPr lang="en-US" dirty="0" smtClean="0"/>
+          </a:p>
+          <a:p>
+            <a:endParaRPr lang="en-US" dirty="0"/>
+          </a:p>
+        </p:txBody>
+      </p:sp>
+      <p:pic>
+        <p:nvPicPr>
+          <p:cNvPr id="4" name="Picture 3"/>
+          <p:cNvPicPr>
+            <a:picLocks noChangeAspect="1"/>
+          </p:cNvPicPr>
+          <p:nvPr/>
+        </p:nvPicPr>
+        <p:blipFill>
+          <a:blip r:embed="rId2"/>
+          <a:stretch>
+            <a:fillRect/>
+          </a:stretch>
+        </p:blipFill>
+        <p:spPr>
+          <a:xfrm>
+            <a:off x="4694801" y="1926529"/>
+            <a:ext cx="6162253" cy="4466734"/>
+          </a:xfrm>
+          <a:prstGeom prst="rect">
+            <a:avLst/>
+          </a:prstGeom>
+        </p:spPr>
+      </p:pic>
+    </p:spTree>
+    <p:extLst>
+      <p:ext uri="{BB962C8B-B14F-4D97-AF65-F5344CB8AC3E}">
+        <p14:creationId xmlns:p14="http://schemas.microsoft.com/office/powerpoint/2010/main" val="2795387022"/>
+      </p:ext>
+    </p:extLst>
+  </p:cSld>
+  <p:clrMapOvr>
+    <a:masterClrMapping/>
+  </p:clrMapOvr>
+  <p:timing>
+    <p:tnLst>
+      <p:par>
+        <p:cTn id="1" dur="indefinite" restart="never" nodeType="tmRoot"/>
+      </p:par>
+    </p:tnLst>
+  </p:timing>
+</p:sld>
+</file>
+
+<file path=ppt/slides/slide13.xml><?xml version="1.0" encoding="utf-8"?>
+<p:sld xmlns:a="http://schemas.openxmlformats.org/drawingml/2006/main" xmlns:r="http://schemas.openxmlformats.org/officeDocument/2006/relationships" xmlns:p="http://schemas.openxmlformats.org/presentationml/2006/main">
+  <p:cSld>
+    <p:spTree>
+      <p:nvGrpSpPr>
+        <p:cNvPr id="1" name=""/>
+        <p:cNvGrpSpPr/>
+        <p:nvPr/>
+      </p:nvGrpSpPr>
+      <p:grpSpPr>
+        <a:xfrm>
+          <a:off x="0" y="0"/>
+          <a:ext cx="0" cy="0"/>
+          <a:chOff x="0" y="0"/>
+          <a:chExt cx="0" cy="0"/>
+        </a:xfrm>
+      </p:grpSpPr>
+      <p:sp>
+        <p:nvSpPr>
+          <p:cNvPr id="2" name="Title 1"/>
+          <p:cNvSpPr>
+            <a:spLocks noGrp="1"/>
+          </p:cNvSpPr>
+          <p:nvPr>
+            <p:ph type="title"/>
+          </p:nvPr>
+        </p:nvSpPr>
+        <p:spPr/>
+        <p:txBody>
+          <a:bodyPr/>
+          <a:lstStyle/>
+          <a:p>
+            <a:r>
+              <a:rPr lang="en-US" dirty="0" smtClean="0"/>
+              <a:t>Data Modeling</a:t>
+            </a:r>
+            <a:endParaRPr lang="en-US" dirty="0"/>
+          </a:p>
+        </p:txBody>
+      </p:sp>
+      <p:sp>
+        <p:nvSpPr>
+          <p:cNvPr id="3" name="Content Placeholder 2"/>
+          <p:cNvSpPr>
+            <a:spLocks noGrp="1"/>
+          </p:cNvSpPr>
+          <p:nvPr>
+            <p:ph idx="1"/>
+          </p:nvPr>
+        </p:nvSpPr>
+        <p:spPr/>
+        <p:txBody>
+          <a:bodyPr/>
+          <a:lstStyle/>
+          <a:p>
+            <a:endParaRPr lang="en-US"/>
+          </a:p>
+        </p:txBody>
+      </p:sp>
+    </p:spTree>
+    <p:extLst>
+      <p:ext uri="{BB962C8B-B14F-4D97-AF65-F5344CB8AC3E}">
+        <p14:creationId xmlns:p14="http://schemas.microsoft.com/office/powerpoint/2010/main" val="1535407073"/>
+      </p:ext>
+    </p:extLst>
+  </p:cSld>
+  <p:clrMapOvr>
+    <a:masterClrMapping/>
+  </p:clrMapOvr>
+</p:sld>
+</file>
+
+<file path=ppt/slides/slide14.xml><?xml version="1.0" encoding="utf-8"?>
+<p:sld xmlns:a="http://schemas.openxmlformats.org/drawingml/2006/main" xmlns:r="http://schemas.openxmlformats.org/officeDocument/2006/relationships" xmlns:p="http://schemas.openxmlformats.org/presentationml/2006/main">
+  <p:cSld>
+    <p:spTree>
+      <p:nvGrpSpPr>
+        <p:cNvPr id="1" name=""/>
+        <p:cNvGrpSpPr/>
+        <p:nvPr/>
+      </p:nvGrpSpPr>
+      <p:grpSpPr>
+        <a:xfrm>
+          <a:off x="0" y="0"/>
+          <a:ext cx="0" cy="0"/>
+          <a:chOff x="0" y="0"/>
+          <a:chExt cx="0" cy="0"/>
+        </a:xfrm>
+      </p:grpSpPr>
+      <p:sp>
+        <p:nvSpPr>
+          <p:cNvPr id="2" name="Title 1"/>
+          <p:cNvSpPr>
+            <a:spLocks noGrp="1"/>
+          </p:cNvSpPr>
+          <p:nvPr>
+            <p:ph type="title"/>
+          </p:nvPr>
+        </p:nvSpPr>
+        <p:spPr/>
+        <p:txBody>
+          <a:bodyPr/>
+          <a:lstStyle/>
+          <a:p>
+            <a:r>
+              <a:rPr lang="en-US" dirty="0" smtClean="0"/>
+              <a:t>External Articles </a:t>
+            </a:r>
+            <a:endParaRPr lang="en-US" dirty="0"/>
+          </a:p>
+        </p:txBody>
+      </p:sp>
+      <p:sp>
+        <p:nvSpPr>
+          <p:cNvPr id="3" name="Content Placeholder 2"/>
+          <p:cNvSpPr>
+            <a:spLocks noGrp="1"/>
+          </p:cNvSpPr>
+          <p:nvPr>
+            <p:ph idx="1"/>
+          </p:nvPr>
+        </p:nvSpPr>
+        <p:spPr/>
+        <p:txBody>
+          <a:bodyPr/>
+          <a:lstStyle/>
+          <a:p>
+            <a:endParaRPr lang="en-US" dirty="0"/>
+          </a:p>
+        </p:txBody>
+      </p:sp>
+    </p:spTree>
+    <p:extLst>
+      <p:ext uri="{BB962C8B-B14F-4D97-AF65-F5344CB8AC3E}">
+        <p14:creationId xmlns:p14="http://schemas.microsoft.com/office/powerpoint/2010/main" val="3649202745"/>
+      </p:ext>
+    </p:extLst>
+  </p:cSld>
+  <p:clrMapOvr>
+    <a:masterClrMapping/>
+  </p:clrMapOvr>
+</p:sld>
+</file>
+
+<file path=ppt/slides/slide15.xml><?xml version="1.0" encoding="utf-8"?>
+<p:sld xmlns:a="http://schemas.openxmlformats.org/drawingml/2006/main" xmlns:r="http://schemas.openxmlformats.org/officeDocument/2006/relationships" xmlns:p="http://schemas.openxmlformats.org/presentationml/2006/main">
+  <p:cSld>
+    <p:spTree>
+      <p:nvGrpSpPr>
+        <p:cNvPr id="1" name=""/>
+        <p:cNvGrpSpPr/>
+        <p:nvPr/>
+      </p:nvGrpSpPr>
+      <p:grpSpPr>
+        <a:xfrm>
+          <a:off x="0" y="0"/>
+          <a:ext cx="0" cy="0"/>
+          <a:chOff x="0" y="0"/>
+          <a:chExt cx="0" cy="0"/>
+        </a:xfrm>
+      </p:grpSpPr>
+      <p:sp>
+        <p:nvSpPr>
+          <p:cNvPr id="2" name="Title 1"/>
+          <p:cNvSpPr>
+            <a:spLocks noGrp="1"/>
+          </p:cNvSpPr>
+          <p:nvPr>
+            <p:ph type="title"/>
+          </p:nvPr>
+        </p:nvSpPr>
+        <p:spPr/>
+        <p:txBody>
+          <a:bodyPr/>
+          <a:lstStyle/>
+          <a:p>
+            <a:r>
+              <a:rPr lang="en-US" dirty="0"/>
+              <a:t>Implementation plan</a:t>
             </a:r>
           </a:p>
         </p:txBody>
       </p:sp>
       <p:graphicFrame>
         <p:nvGraphicFramePr>
-          <p:cNvPr id="5" name="Table 4"/>
+          <p:cNvPr id="4" name="Table 3"/>
           <p:cNvGraphicFramePr>
             <a:graphicFrameLocks noGrp="1"/>
           </p:cNvGraphicFramePr>
           <p:nvPr>
             <p:extLst>
               <p:ext uri="{D42A27DB-BD31-4B8C-83A1-F6EECF244321}">
-                <p14:modId xmlns:p14="http://schemas.microsoft.com/office/powerpoint/2010/main" val="3961294053"/>
+                <p14:modId xmlns:p14="http://schemas.microsoft.com/office/powerpoint/2010/main" val="3525530455"/>
               </p:ext>
             </p:extLst>
           </p:nvPr>
         </p:nvGraphicFramePr>
         <p:xfrm>
-          <a:off x="409492" y="1826350"/>
-          <a:ext cx="11160642" cy="3174218"/>
+          <a:off x="457304" y="2089314"/>
+          <a:ext cx="11160642" cy="4659969"/>
         </p:xfrm>
         <a:graphic>
           <a:graphicData uri="http://schemas.openxmlformats.org/drawingml/2006/table">
@@ -4423,21 +5089,21 @@
                 <a:gridCol w="3720214">
                   <a:extLst>
                     <a:ext uri="{9D8B030D-6E8A-4147-A177-3AD203B41FA5}">
-                      <a16:colId xmlns="" xmlns:a16="http://schemas.microsoft.com/office/drawing/2014/main" val="20000"/>
+                      <a16:colId xmlns:a16="http://schemas.microsoft.com/office/drawing/2014/main" xmlns="" val="20000"/>
                     </a:ext>
                   </a:extLst>
                 </a:gridCol>
                 <a:gridCol w="6601590">
                   <a:extLst>
                     <a:ext uri="{9D8B030D-6E8A-4147-A177-3AD203B41FA5}">
-                      <a16:colId xmlns="" xmlns:a16="http://schemas.microsoft.com/office/drawing/2014/main" val="20001"/>
+                      <a16:colId xmlns:a16="http://schemas.microsoft.com/office/drawing/2014/main" xmlns="" val="20001"/>
                     </a:ext>
                   </a:extLst>
                 </a:gridCol>
                 <a:gridCol w="838838">
                   <a:extLst>
                     <a:ext uri="{9D8B030D-6E8A-4147-A177-3AD203B41FA5}">
-                      <a16:colId xmlns="" xmlns:a16="http://schemas.microsoft.com/office/drawing/2014/main" val="20002"/>
+                      <a16:colId xmlns:a16="http://schemas.microsoft.com/office/drawing/2014/main" xmlns="" val="20002"/>
                     </a:ext>
                   </a:extLst>
                 </a:gridCol>
@@ -4484,7 +5150,849 @@
                 </a:tc>
                 <a:extLst>
                   <a:ext uri="{0D108BD9-81ED-4DB2-BD59-A6C34878D82A}">
-                    <a16:rowId xmlns="" xmlns:a16="http://schemas.microsoft.com/office/drawing/2014/main" val="10000"/>
+                    <a16:rowId xmlns:a16="http://schemas.microsoft.com/office/drawing/2014/main" xmlns="" val="10000"/>
+                  </a:ext>
+                </a:extLst>
+              </a:tr>
+              <a:tr h="238166">
+                <a:tc rowSpan="2">
+                  <a:txBody>
+                    <a:bodyPr/>
+                    <a:lstStyle/>
+                    <a:p>
+                      <a:r>
+                        <a:rPr lang="en-US" sz="1400" b="1" dirty="0"/>
+                        <a:t>Business understanding</a:t>
+                      </a:r>
+                    </a:p>
+                  </a:txBody>
+                  <a:tcPr/>
+                </a:tc>
+                <a:tc>
+                  <a:txBody>
+                    <a:bodyPr/>
+                    <a:lstStyle/>
+                    <a:p>
+                      <a:r>
+                        <a:rPr lang="en-US" sz="1400" dirty="0"/>
+                        <a:t>Search</a:t>
+                      </a:r>
+                      <a:r>
+                        <a:rPr lang="en-US" sz="1400" baseline="0" dirty="0"/>
+                        <a:t> salary and gender statistics</a:t>
+                      </a:r>
+                      <a:endParaRPr lang="en-US" sz="1400" dirty="0"/>
+                    </a:p>
+                  </a:txBody>
+                  <a:tcPr/>
+                </a:tc>
+                <a:tc>
+                  <a:txBody>
+                    <a:bodyPr/>
+                    <a:lstStyle/>
+                    <a:p>
+                      <a:r>
+                        <a:rPr lang="en-US" sz="1400" dirty="0"/>
+                        <a:t>Done.</a:t>
+                      </a:r>
+                    </a:p>
+                  </a:txBody>
+                  <a:tcPr/>
+                </a:tc>
+                <a:extLst>
+                  <a:ext uri="{0D108BD9-81ED-4DB2-BD59-A6C34878D82A}">
+                    <a16:rowId xmlns:a16="http://schemas.microsoft.com/office/drawing/2014/main" xmlns="" val="10001"/>
+                  </a:ext>
+                </a:extLst>
+              </a:tr>
+              <a:tr h="238166">
+                <a:tc vMerge="1">
+                  <a:txBody>
+                    <a:bodyPr/>
+                    <a:lstStyle/>
+                    <a:p>
+                      <a:endParaRPr lang="en-US" sz="1200" b="1" dirty="0"/>
+                    </a:p>
+                  </a:txBody>
+                  <a:tcPr/>
+                </a:tc>
+                <a:tc>
+                  <a:txBody>
+                    <a:bodyPr/>
+                    <a:lstStyle/>
+                    <a:p>
+                      <a:r>
+                        <a:rPr lang="en-US" sz="1400" dirty="0"/>
+                        <a:t>Defining the problem </a:t>
+                      </a:r>
+                    </a:p>
+                  </a:txBody>
+                  <a:tcPr/>
+                </a:tc>
+                <a:tc>
+                  <a:txBody>
+                    <a:bodyPr/>
+                    <a:lstStyle/>
+                    <a:p>
+                      <a:r>
+                        <a:rPr lang="en-US" sz="1400" dirty="0"/>
+                        <a:t>Done.</a:t>
+                      </a:r>
+                    </a:p>
+                  </a:txBody>
+                  <a:tcPr/>
+                </a:tc>
+                <a:extLst>
+                  <a:ext uri="{0D108BD9-81ED-4DB2-BD59-A6C34878D82A}">
+                    <a16:rowId xmlns:a16="http://schemas.microsoft.com/office/drawing/2014/main" xmlns="" val="10002"/>
+                  </a:ext>
+                </a:extLst>
+              </a:tr>
+              <a:tr h="332222">
+                <a:tc>
+                  <a:txBody>
+                    <a:bodyPr/>
+                    <a:lstStyle/>
+                    <a:p>
+                      <a:r>
+                        <a:rPr lang="en-US" sz="1400" b="1" dirty="0"/>
+                        <a:t>Data understanding </a:t>
+                      </a:r>
+                    </a:p>
+                  </a:txBody>
+                  <a:tcPr/>
+                </a:tc>
+                <a:tc>
+                  <a:txBody>
+                    <a:bodyPr/>
+                    <a:lstStyle/>
+                    <a:p>
+                      <a:r>
+                        <a:rPr lang="en-US" sz="1400" dirty="0"/>
+                        <a:t>Focused on </a:t>
+                      </a:r>
+                      <a:r>
+                        <a:rPr lang="en-US" sz="1400" dirty="0" err="1"/>
+                        <a:t>GenderStats</a:t>
+                      </a:r>
+                      <a:r>
+                        <a:rPr lang="en-US" sz="1400" dirty="0"/>
+                        <a:t>,</a:t>
+                      </a:r>
+                      <a:r>
+                        <a:rPr lang="en-US" sz="1400" baseline="0" dirty="0"/>
+                        <a:t> </a:t>
+                      </a:r>
+                      <a:r>
+                        <a:rPr lang="en-US" sz="1400" baseline="0" dirty="0" err="1"/>
+                        <a:t>Sallary</a:t>
+                      </a:r>
+                      <a:r>
+                        <a:rPr lang="en-US" sz="1400" baseline="0" dirty="0"/>
+                        <a:t> gap csv on  OECD </a:t>
+                      </a:r>
+                      <a:endParaRPr lang="en-US" sz="1400" dirty="0"/>
+                    </a:p>
+                  </a:txBody>
+                  <a:tcPr/>
+                </a:tc>
+                <a:tc>
+                  <a:txBody>
+                    <a:bodyPr/>
+                    <a:lstStyle/>
+                    <a:p>
+                      <a:pPr marL="0" marR="0" lvl="0" indent="0" algn="l" defTabSz="914400" rtl="0" eaLnBrk="1" fontAlgn="auto" latinLnBrk="0" hangingPunct="1">
+                        <a:lnSpc>
+                          <a:spcPct val="100000"/>
+                        </a:lnSpc>
+                        <a:spcBef>
+                          <a:spcPts val="0"/>
+                        </a:spcBef>
+                        <a:spcAft>
+                          <a:spcPts val="0"/>
+                        </a:spcAft>
+                        <a:buClrTx/>
+                        <a:buSzTx/>
+                        <a:buFontTx/>
+                        <a:buNone/>
+                        <a:tabLst/>
+                        <a:defRPr/>
+                      </a:pPr>
+                      <a:r>
+                        <a:rPr lang="en-US" sz="1400" dirty="0"/>
+                        <a:t>Done.</a:t>
+                      </a:r>
+                    </a:p>
+                  </a:txBody>
+                  <a:tcPr/>
+                </a:tc>
+                <a:extLst>
+                  <a:ext uri="{0D108BD9-81ED-4DB2-BD59-A6C34878D82A}">
+                    <a16:rowId xmlns:a16="http://schemas.microsoft.com/office/drawing/2014/main" xmlns="" val="10003"/>
+                  </a:ext>
+                </a:extLst>
+              </a:tr>
+              <a:tr h="469019">
+                <a:tc rowSpan="6">
+                  <a:txBody>
+                    <a:bodyPr/>
+                    <a:lstStyle/>
+                    <a:p>
+                      <a:r>
+                        <a:rPr lang="en-US" sz="1400" b="1" dirty="0"/>
+                        <a:t>Data preparation &amp; cleaning</a:t>
+                      </a:r>
+                    </a:p>
+                  </a:txBody>
+                  <a:tcPr/>
+                </a:tc>
+                <a:tc>
+                  <a:txBody>
+                    <a:bodyPr/>
+                    <a:lstStyle/>
+                    <a:p>
+                      <a:r>
+                        <a:rPr lang="en-US" sz="1400" dirty="0" err="1"/>
+                        <a:t>GenderStats</a:t>
+                      </a:r>
+                      <a:r>
+                        <a:rPr lang="en-US" sz="1400" dirty="0"/>
+                        <a:t> - Remove fully empty lines , convert</a:t>
+                      </a:r>
+                      <a:r>
+                        <a:rPr lang="en-US" sz="1400" baseline="0" dirty="0"/>
+                        <a:t> Countries, indicators to columns</a:t>
+                      </a:r>
+                      <a:endParaRPr lang="en-US" sz="1400" dirty="0"/>
+                    </a:p>
+                  </a:txBody>
+                  <a:tcPr/>
+                </a:tc>
+                <a:tc>
+                  <a:txBody>
+                    <a:bodyPr/>
+                    <a:lstStyle/>
+                    <a:p>
+                      <a:pPr marL="0" marR="0" lvl="0" indent="0" algn="l" defTabSz="914400" rtl="0" eaLnBrk="1" fontAlgn="auto" latinLnBrk="0" hangingPunct="1">
+                        <a:lnSpc>
+                          <a:spcPct val="100000"/>
+                        </a:lnSpc>
+                        <a:spcBef>
+                          <a:spcPts val="0"/>
+                        </a:spcBef>
+                        <a:spcAft>
+                          <a:spcPts val="0"/>
+                        </a:spcAft>
+                        <a:buClrTx/>
+                        <a:buSzTx/>
+                        <a:buFontTx/>
+                        <a:buNone/>
+                        <a:tabLst/>
+                        <a:defRPr/>
+                      </a:pPr>
+                      <a:r>
+                        <a:rPr lang="en-US" sz="1400" dirty="0"/>
+                        <a:t>Done.</a:t>
+                      </a:r>
+                    </a:p>
+                    <a:p>
+                      <a:endParaRPr lang="en-US" sz="1400" dirty="0"/>
+                    </a:p>
+                  </a:txBody>
+                  <a:tcPr/>
+                </a:tc>
+                <a:extLst>
+                  <a:ext uri="{0D108BD9-81ED-4DB2-BD59-A6C34878D82A}">
+                    <a16:rowId xmlns:a16="http://schemas.microsoft.com/office/drawing/2014/main" xmlns="" val="10004"/>
+                  </a:ext>
+                </a:extLst>
+              </a:tr>
+              <a:tr h="469019">
+                <a:tc vMerge="1">
+                  <a:txBody>
+                    <a:bodyPr/>
+                    <a:lstStyle/>
+                    <a:p>
+                      <a:endParaRPr lang="en-US"/>
+                    </a:p>
+                  </a:txBody>
+                  <a:tcPr/>
+                </a:tc>
+                <a:tc>
+                  <a:txBody>
+                    <a:bodyPr/>
+                    <a:lstStyle/>
+                    <a:p>
+                      <a:r>
+                        <a:rPr lang="en-US" sz="1400" dirty="0"/>
+                        <a:t>Transpose lines</a:t>
+                      </a:r>
+                      <a:r>
+                        <a:rPr lang="en-US" sz="1400" baseline="0" dirty="0"/>
+                        <a:t> to columns  - years and country are columns</a:t>
+                      </a:r>
+                      <a:endParaRPr lang="en-US" sz="1400" dirty="0"/>
+                    </a:p>
+                  </a:txBody>
+                  <a:tcPr/>
+                </a:tc>
+                <a:tc>
+                  <a:txBody>
+                    <a:bodyPr/>
+                    <a:lstStyle/>
+                    <a:p>
+                      <a:r>
+                        <a:rPr lang="en-US" sz="1400" dirty="0"/>
+                        <a:t>Done</a:t>
+                      </a:r>
+                    </a:p>
+                  </a:txBody>
+                  <a:tcPr/>
+                </a:tc>
+                <a:extLst>
+                  <a:ext uri="{0D108BD9-81ED-4DB2-BD59-A6C34878D82A}">
+                    <a16:rowId xmlns:a16="http://schemas.microsoft.com/office/drawing/2014/main" xmlns="" val="10005"/>
+                  </a:ext>
+                </a:extLst>
+              </a:tr>
+              <a:tr h="404883">
+                <a:tc vMerge="1">
+                  <a:txBody>
+                    <a:bodyPr/>
+                    <a:lstStyle/>
+                    <a:p>
+                      <a:endParaRPr lang="en-US" sz="1200" b="1" dirty="0"/>
+                    </a:p>
+                  </a:txBody>
+                  <a:tcPr/>
+                </a:tc>
+                <a:tc>
+                  <a:txBody>
+                    <a:bodyPr/>
+                    <a:lstStyle/>
+                    <a:p>
+                      <a:r>
+                        <a:rPr lang="en-US" sz="1400" dirty="0"/>
+                        <a:t>Remove irrelevant</a:t>
+                      </a:r>
+                      <a:r>
+                        <a:rPr lang="en-US" sz="1400" baseline="0" dirty="0"/>
+                        <a:t> columns from both csv’s</a:t>
+                      </a:r>
+                      <a:endParaRPr lang="en-US" sz="1400" dirty="0"/>
+                    </a:p>
+                  </a:txBody>
+                  <a:tcPr/>
+                </a:tc>
+                <a:tc>
+                  <a:txBody>
+                    <a:bodyPr/>
+                    <a:lstStyle/>
+                    <a:p>
+                      <a:pPr marL="0" marR="0" lvl="0" indent="0" algn="l" defTabSz="914400" rtl="0" eaLnBrk="1" fontAlgn="auto" latinLnBrk="0" hangingPunct="1">
+                        <a:lnSpc>
+                          <a:spcPct val="100000"/>
+                        </a:lnSpc>
+                        <a:spcBef>
+                          <a:spcPts val="0"/>
+                        </a:spcBef>
+                        <a:spcAft>
+                          <a:spcPts val="0"/>
+                        </a:spcAft>
+                        <a:buClrTx/>
+                        <a:buSzTx/>
+                        <a:buFontTx/>
+                        <a:buNone/>
+                        <a:tabLst/>
+                        <a:defRPr/>
+                      </a:pPr>
+                      <a:r>
+                        <a:rPr lang="en-US" sz="1400" dirty="0"/>
+                        <a:t>Done.</a:t>
+                      </a:r>
+                    </a:p>
+                    <a:p>
+                      <a:endParaRPr lang="en-US" sz="1400" dirty="0"/>
+                    </a:p>
+                  </a:txBody>
+                  <a:tcPr/>
+                </a:tc>
+                <a:extLst>
+                  <a:ext uri="{0D108BD9-81ED-4DB2-BD59-A6C34878D82A}">
+                    <a16:rowId xmlns:a16="http://schemas.microsoft.com/office/drawing/2014/main" xmlns="" val="10006"/>
+                  </a:ext>
+                </a:extLst>
+              </a:tr>
+              <a:tr h="332222">
+                <a:tc vMerge="1">
+                  <a:txBody>
+                    <a:bodyPr/>
+                    <a:lstStyle/>
+                    <a:p>
+                      <a:endParaRPr lang="en-US"/>
+                    </a:p>
+                  </a:txBody>
+                  <a:tcPr/>
+                </a:tc>
+                <a:tc>
+                  <a:txBody>
+                    <a:bodyPr/>
+                    <a:lstStyle/>
+                    <a:p>
+                      <a:pPr marL="0" marR="0" lvl="0" indent="0" algn="l" defTabSz="914400" rtl="0" eaLnBrk="1" fontAlgn="auto" latinLnBrk="0" hangingPunct="1">
+                        <a:lnSpc>
+                          <a:spcPct val="100000"/>
+                        </a:lnSpc>
+                        <a:spcBef>
+                          <a:spcPts val="0"/>
+                        </a:spcBef>
+                        <a:spcAft>
+                          <a:spcPts val="0"/>
+                        </a:spcAft>
+                        <a:buClrTx/>
+                        <a:buSzTx/>
+                        <a:buFontTx/>
+                        <a:buNone/>
+                        <a:tabLst/>
+                        <a:defRPr/>
+                      </a:pPr>
+                      <a:r>
+                        <a:rPr lang="en-US" sz="1400" dirty="0"/>
+                        <a:t>Intersect  between</a:t>
+                      </a:r>
+                      <a:r>
+                        <a:rPr lang="en-US" sz="1400" baseline="0" dirty="0"/>
+                        <a:t> countries and years</a:t>
+                      </a:r>
+                      <a:endParaRPr lang="en-US" sz="1400" dirty="0"/>
+                    </a:p>
+                  </a:txBody>
+                  <a:tcPr/>
+                </a:tc>
+                <a:tc>
+                  <a:txBody>
+                    <a:bodyPr/>
+                    <a:lstStyle/>
+                    <a:p>
+                      <a:r>
+                        <a:rPr lang="en-US" sz="1400" dirty="0" smtClean="0"/>
+                        <a:t>Done</a:t>
+                      </a:r>
+                      <a:endParaRPr lang="en-US" sz="1400" dirty="0"/>
+                    </a:p>
+                  </a:txBody>
+                  <a:tcPr/>
+                </a:tc>
+                <a:extLst>
+                  <a:ext uri="{0D108BD9-81ED-4DB2-BD59-A6C34878D82A}">
+                    <a16:rowId xmlns:a16="http://schemas.microsoft.com/office/drawing/2014/main" xmlns="" val="10007"/>
+                  </a:ext>
+                </a:extLst>
+              </a:tr>
+              <a:tr h="332222">
+                <a:tc vMerge="1">
+                  <a:txBody>
+                    <a:bodyPr/>
+                    <a:lstStyle/>
+                    <a:p>
+                      <a:endParaRPr lang="en-US" sz="1200" b="1" dirty="0"/>
+                    </a:p>
+                  </a:txBody>
+                  <a:tcPr/>
+                </a:tc>
+                <a:tc>
+                  <a:txBody>
+                    <a:bodyPr/>
+                    <a:lstStyle/>
+                    <a:p>
+                      <a:r>
+                        <a:rPr lang="en-US" sz="1400" dirty="0"/>
+                        <a:t>Merge </a:t>
+                      </a:r>
+                      <a:r>
+                        <a:rPr lang="en-US" sz="1400" dirty="0" err="1"/>
+                        <a:t>oecd</a:t>
+                      </a:r>
+                      <a:r>
+                        <a:rPr lang="en-US" sz="1400" baseline="0" dirty="0"/>
+                        <a:t> data and </a:t>
+                      </a:r>
+                      <a:r>
+                        <a:rPr lang="en-US" sz="1400" baseline="0" dirty="0" err="1"/>
+                        <a:t>GenderStats</a:t>
+                      </a:r>
+                      <a:r>
+                        <a:rPr lang="en-US" sz="1400" baseline="0" dirty="0"/>
+                        <a:t> csv</a:t>
+                      </a:r>
+                      <a:endParaRPr lang="en-US" sz="1400" dirty="0"/>
+                    </a:p>
+                  </a:txBody>
+                  <a:tcPr/>
+                </a:tc>
+                <a:tc>
+                  <a:txBody>
+                    <a:bodyPr/>
+                    <a:lstStyle/>
+                    <a:p>
+                      <a:r>
+                        <a:rPr lang="en-US" sz="1400" dirty="0" smtClean="0"/>
+                        <a:t>Done</a:t>
+                      </a:r>
+                      <a:endParaRPr lang="en-US" sz="1400" dirty="0"/>
+                    </a:p>
+                  </a:txBody>
+                  <a:tcPr/>
+                </a:tc>
+                <a:extLst>
+                  <a:ext uri="{0D108BD9-81ED-4DB2-BD59-A6C34878D82A}">
+                    <a16:rowId xmlns:a16="http://schemas.microsoft.com/office/drawing/2014/main" xmlns="" val="10008"/>
+                  </a:ext>
+                </a:extLst>
+              </a:tr>
+              <a:tr h="332222">
+                <a:tc vMerge="1">
+                  <a:txBody>
+                    <a:bodyPr/>
+                    <a:lstStyle/>
+                    <a:p>
+                      <a:endParaRPr lang="en-US" sz="1200" b="1" dirty="0"/>
+                    </a:p>
+                  </a:txBody>
+                  <a:tcPr/>
+                </a:tc>
+                <a:tc>
+                  <a:txBody>
+                    <a:bodyPr/>
+                    <a:lstStyle/>
+                    <a:p>
+                      <a:r>
+                        <a:rPr lang="en-US" sz="1400" dirty="0"/>
+                        <a:t>complete missing values</a:t>
+                      </a:r>
+                      <a:r>
+                        <a:rPr lang="en-US" sz="1400" baseline="0" dirty="0"/>
+                        <a:t> </a:t>
+                      </a:r>
+                      <a:endParaRPr lang="en-US" sz="1400" dirty="0"/>
+                    </a:p>
+                  </a:txBody>
+                  <a:tcPr/>
+                </a:tc>
+                <a:tc>
+                  <a:txBody>
+                    <a:bodyPr/>
+                    <a:lstStyle/>
+                    <a:p>
+                      <a:r>
+                        <a:rPr lang="en-US" sz="1400" dirty="0" smtClean="0"/>
+                        <a:t>Done</a:t>
+                      </a:r>
+                      <a:endParaRPr lang="en-US" sz="1400" dirty="0"/>
+                    </a:p>
+                  </a:txBody>
+                  <a:tcPr/>
+                </a:tc>
+                <a:extLst>
+                  <a:ext uri="{0D108BD9-81ED-4DB2-BD59-A6C34878D82A}">
+                    <a16:rowId xmlns:a16="http://schemas.microsoft.com/office/drawing/2014/main" xmlns="" val="10009"/>
+                  </a:ext>
+                </a:extLst>
+              </a:tr>
+              <a:tr h="332222">
+                <a:tc>
+                  <a:txBody>
+                    <a:bodyPr/>
+                    <a:lstStyle/>
+                    <a:p>
+                      <a:pPr marL="0" marR="0" lvl="0" indent="0" algn="l" defTabSz="914400" rtl="0" eaLnBrk="1" fontAlgn="auto" latinLnBrk="0" hangingPunct="1">
+                        <a:lnSpc>
+                          <a:spcPct val="100000"/>
+                        </a:lnSpc>
+                        <a:spcBef>
+                          <a:spcPts val="0"/>
+                        </a:spcBef>
+                        <a:spcAft>
+                          <a:spcPts val="0"/>
+                        </a:spcAft>
+                        <a:buClrTx/>
+                        <a:buSzTx/>
+                        <a:buFontTx/>
+                        <a:buNone/>
+                        <a:tabLst/>
+                        <a:defRPr/>
+                      </a:pPr>
+                      <a:r>
+                        <a:rPr lang="en-US" sz="1400" b="1" dirty="0"/>
+                        <a:t>Data Analysis</a:t>
+                      </a:r>
+                    </a:p>
+                    <a:p>
+                      <a:endParaRPr lang="en-US" sz="1400" b="1" dirty="0"/>
+                    </a:p>
+                  </a:txBody>
+                  <a:tcPr/>
+                </a:tc>
+                <a:tc>
+                  <a:txBody>
+                    <a:bodyPr/>
+                    <a:lstStyle/>
+                    <a:p>
+                      <a:r>
+                        <a:rPr lang="en-US" sz="1400" dirty="0"/>
+                        <a:t>Defining train and test data</a:t>
+                      </a:r>
+                    </a:p>
+                  </a:txBody>
+                  <a:tcPr/>
+                </a:tc>
+                <a:tc>
+                  <a:txBody>
+                    <a:bodyPr/>
+                    <a:lstStyle/>
+                    <a:p>
+                      <a:r>
+                        <a:rPr lang="en-US" sz="1400" dirty="0" smtClean="0"/>
+                        <a:t>Done</a:t>
+                      </a:r>
+                      <a:endParaRPr lang="en-US" sz="1400" dirty="0"/>
+                    </a:p>
+                  </a:txBody>
+                  <a:tcPr/>
+                </a:tc>
+                <a:extLst>
+                  <a:ext uri="{0D108BD9-81ED-4DB2-BD59-A6C34878D82A}">
+                    <a16:rowId xmlns:a16="http://schemas.microsoft.com/office/drawing/2014/main" xmlns="" val="10010"/>
+                  </a:ext>
+                </a:extLst>
+              </a:tr>
+              <a:tr h="332222">
+                <a:tc>
+                  <a:txBody>
+                    <a:bodyPr/>
+                    <a:lstStyle/>
+                    <a:p>
+                      <a:endParaRPr lang="en-US" sz="1400" b="1" dirty="0"/>
+                    </a:p>
+                  </a:txBody>
+                  <a:tcPr/>
+                </a:tc>
+                <a:tc>
+                  <a:txBody>
+                    <a:bodyPr/>
+                    <a:lstStyle/>
+                    <a:p>
+                      <a:r>
+                        <a:rPr lang="en-US" sz="1400" dirty="0"/>
+                        <a:t>Select and normalize features (by correlation) </a:t>
+                      </a:r>
+                    </a:p>
+                  </a:txBody>
+                  <a:tcPr/>
+                </a:tc>
+                <a:tc>
+                  <a:txBody>
+                    <a:bodyPr/>
+                    <a:lstStyle/>
+                    <a:p>
+                      <a:r>
+                        <a:rPr lang="en-US" sz="1400" dirty="0" smtClean="0"/>
+                        <a:t>Done</a:t>
+                      </a:r>
+                      <a:endParaRPr lang="en-US" sz="1400" dirty="0"/>
+                    </a:p>
+                  </a:txBody>
+                  <a:tcPr/>
+                </a:tc>
+                <a:extLst>
+                  <a:ext uri="{0D108BD9-81ED-4DB2-BD59-A6C34878D82A}">
+                    <a16:rowId xmlns:a16="http://schemas.microsoft.com/office/drawing/2014/main" xmlns="" val="10011"/>
+                  </a:ext>
+                </a:extLst>
+              </a:tr>
+            </a:tbl>
+          </a:graphicData>
+        </a:graphic>
+      </p:graphicFrame>
+      <p:pic>
+        <p:nvPicPr>
+          <p:cNvPr id="5" name="Picture 2"/>
+          <p:cNvPicPr>
+            <a:picLocks noChangeAspect="1" noChangeArrowheads="1"/>
+          </p:cNvPicPr>
+          <p:nvPr/>
+        </p:nvPicPr>
+        <p:blipFill>
+          <a:blip r:embed="rId2" cstate="print"/>
+          <a:srcRect/>
+          <a:stretch>
+            <a:fillRect/>
+          </a:stretch>
+        </p:blipFill>
+        <p:spPr bwMode="auto">
+          <a:xfrm>
+            <a:off x="7784804" y="405343"/>
+            <a:ext cx="2717361" cy="2005308"/>
+          </a:xfrm>
+          <a:prstGeom prst="rect">
+            <a:avLst/>
+          </a:prstGeom>
+          <a:noFill/>
+          <a:ln w="9525">
+            <a:noFill/>
+            <a:miter lim="800000"/>
+            <a:headEnd/>
+            <a:tailEnd/>
+          </a:ln>
+        </p:spPr>
+      </p:pic>
+    </p:spTree>
+    <p:extLst>
+      <p:ext uri="{BB962C8B-B14F-4D97-AF65-F5344CB8AC3E}">
+        <p14:creationId xmlns:p14="http://schemas.microsoft.com/office/powerpoint/2010/main" val="1937447193"/>
+      </p:ext>
+    </p:extLst>
+  </p:cSld>
+  <p:clrMapOvr>
+    <a:masterClrMapping/>
+  </p:clrMapOvr>
+</p:sld>
+</file>
+
+<file path=ppt/slides/slide16.xml><?xml version="1.0" encoding="utf-8"?>
+<p:sld xmlns:a="http://schemas.openxmlformats.org/drawingml/2006/main" xmlns:r="http://schemas.openxmlformats.org/officeDocument/2006/relationships" xmlns:p="http://schemas.openxmlformats.org/presentationml/2006/main">
+  <p:cSld>
+    <p:spTree>
+      <p:nvGrpSpPr>
+        <p:cNvPr id="1" name=""/>
+        <p:cNvGrpSpPr/>
+        <p:nvPr/>
+      </p:nvGrpSpPr>
+      <p:grpSpPr>
+        <a:xfrm>
+          <a:off x="0" y="0"/>
+          <a:ext cx="0" cy="0"/>
+          <a:chOff x="0" y="0"/>
+          <a:chExt cx="0" cy="0"/>
+        </a:xfrm>
+      </p:grpSpPr>
+      <p:sp>
+        <p:nvSpPr>
+          <p:cNvPr id="2" name="Title 1"/>
+          <p:cNvSpPr>
+            <a:spLocks noGrp="1"/>
+          </p:cNvSpPr>
+          <p:nvPr>
+            <p:ph type="title"/>
+          </p:nvPr>
+        </p:nvSpPr>
+        <p:spPr>
+          <a:xfrm>
+            <a:off x="577702" y="387413"/>
+            <a:ext cx="10058400" cy="1371600"/>
+          </a:xfrm>
+        </p:spPr>
+        <p:txBody>
+          <a:bodyPr/>
+          <a:lstStyle/>
+          <a:p>
+            <a:r>
+              <a:rPr lang="en-US" dirty="0"/>
+              <a:t>Implementation plan (2)</a:t>
+            </a:r>
+          </a:p>
+        </p:txBody>
+      </p:sp>
+      <p:graphicFrame>
+        <p:nvGraphicFramePr>
+          <p:cNvPr id="5" name="Table 4"/>
+          <p:cNvGraphicFramePr>
+            <a:graphicFrameLocks noGrp="1"/>
+          </p:cNvGraphicFramePr>
+          <p:nvPr>
+            <p:extLst>
+              <p:ext uri="{D42A27DB-BD31-4B8C-83A1-F6EECF244321}">
+                <p14:modId xmlns:p14="http://schemas.microsoft.com/office/powerpoint/2010/main" val="3961294053"/>
+              </p:ext>
+            </p:extLst>
+          </p:nvPr>
+        </p:nvGraphicFramePr>
+        <p:xfrm>
+          <a:off x="409492" y="1826350"/>
+          <a:ext cx="11160642" cy="3174218"/>
+        </p:xfrm>
+        <a:graphic>
+          <a:graphicData uri="http://schemas.openxmlformats.org/drawingml/2006/table">
+            <a:tbl>
+              <a:tblPr firstRow="1" bandRow="1">
+                <a:tableStyleId>{5C22544A-7EE6-4342-B048-85BDC9FD1C3A}</a:tableStyleId>
+              </a:tblPr>
+              <a:tblGrid>
+                <a:gridCol w="3720214">
+                  <a:extLst>
+                    <a:ext uri="{9D8B030D-6E8A-4147-A177-3AD203B41FA5}">
+                      <a16:colId xmlns:a16="http://schemas.microsoft.com/office/drawing/2014/main" xmlns="" val="20000"/>
+                    </a:ext>
+                  </a:extLst>
+                </a:gridCol>
+                <a:gridCol w="6601590">
+                  <a:extLst>
+                    <a:ext uri="{9D8B030D-6E8A-4147-A177-3AD203B41FA5}">
+                      <a16:colId xmlns:a16="http://schemas.microsoft.com/office/drawing/2014/main" xmlns="" val="20001"/>
+                    </a:ext>
+                  </a:extLst>
+                </a:gridCol>
+                <a:gridCol w="838838">
+                  <a:extLst>
+                    <a:ext uri="{9D8B030D-6E8A-4147-A177-3AD203B41FA5}">
+                      <a16:colId xmlns:a16="http://schemas.microsoft.com/office/drawing/2014/main" xmlns="" val="20002"/>
+                    </a:ext>
+                  </a:extLst>
+                </a:gridCol>
+              </a:tblGrid>
+              <a:tr h="285799">
+                <a:tc>
+                  <a:txBody>
+                    <a:bodyPr/>
+                    <a:lstStyle/>
+                    <a:p>
+                      <a:r>
+                        <a:rPr lang="en-US" dirty="0"/>
+                        <a:t>Millstone</a:t>
+                      </a:r>
+                    </a:p>
+                  </a:txBody>
+                  <a:tcPr/>
+                </a:tc>
+                <a:tc>
+                  <a:txBody>
+                    <a:bodyPr/>
+                    <a:lstStyle/>
+                    <a:p>
+                      <a:r>
+                        <a:rPr lang="en-US" dirty="0"/>
+                        <a:t>tasks</a:t>
+                      </a:r>
+                    </a:p>
+                  </a:txBody>
+                  <a:tcPr/>
+                </a:tc>
+                <a:tc>
+                  <a:txBody>
+                    <a:bodyPr/>
+                    <a:lstStyle/>
+                    <a:p>
+                      <a:r>
+                        <a:rPr lang="en-US" dirty="0"/>
+                        <a:t>status</a:t>
+                      </a:r>
+                    </a:p>
+                  </a:txBody>
+                  <a:tcPr/>
+                </a:tc>
+                <a:extLst>
+                  <a:ext uri="{0D108BD9-81ED-4DB2-BD59-A6C34878D82A}">
+                    <a16:rowId xmlns:a16="http://schemas.microsoft.com/office/drawing/2014/main" xmlns="" val="10000"/>
                   </a:ext>
                 </a:extLst>
               </a:tr>
@@ -4579,7 +6087,7 @@
                 </a:tc>
                 <a:extLst>
                   <a:ext uri="{0D108BD9-81ED-4DB2-BD59-A6C34878D82A}">
-                    <a16:rowId xmlns="" xmlns:a16="http://schemas.microsoft.com/office/drawing/2014/main" val="10001"/>
+                    <a16:rowId xmlns:a16="http://schemas.microsoft.com/office/drawing/2014/main" xmlns="" val="10001"/>
                   </a:ext>
                 </a:extLst>
               </a:tr>
@@ -4681,7 +6189,7 @@
                 </a:tc>
                 <a:extLst>
                   <a:ext uri="{0D108BD9-81ED-4DB2-BD59-A6C34878D82A}">
-                    <a16:rowId xmlns="" xmlns:a16="http://schemas.microsoft.com/office/drawing/2014/main" val="10002"/>
+                    <a16:rowId xmlns:a16="http://schemas.microsoft.com/office/drawing/2014/main" xmlns="" val="10002"/>
                   </a:ext>
                 </a:extLst>
               </a:tr>
@@ -4766,7 +6274,7 @@
                 </a:tc>
                 <a:extLst>
                   <a:ext uri="{0D108BD9-81ED-4DB2-BD59-A6C34878D82A}">
-                    <a16:rowId xmlns="" xmlns:a16="http://schemas.microsoft.com/office/drawing/2014/main" val="10003"/>
+                    <a16:rowId xmlns:a16="http://schemas.microsoft.com/office/drawing/2014/main" xmlns="" val="10003"/>
                   </a:ext>
                 </a:extLst>
               </a:tr>
@@ -4850,7 +6358,7 @@
                 </a:tc>
                 <a:extLst>
                   <a:ext uri="{0D108BD9-81ED-4DB2-BD59-A6C34878D82A}">
-                    <a16:rowId xmlns="" xmlns:a16="http://schemas.microsoft.com/office/drawing/2014/main" val="10004"/>
+                    <a16:rowId xmlns:a16="http://schemas.microsoft.com/office/drawing/2014/main" xmlns="" val="10004"/>
                   </a:ext>
                 </a:extLst>
               </a:tr>
@@ -4890,7 +6398,7 @@
                 </a:tc>
                 <a:extLst>
                   <a:ext uri="{0D108BD9-81ED-4DB2-BD59-A6C34878D82A}">
-                    <a16:rowId xmlns="" xmlns:a16="http://schemas.microsoft.com/office/drawing/2014/main" val="10005"/>
+                    <a16:rowId xmlns:a16="http://schemas.microsoft.com/office/drawing/2014/main" xmlns="" val="10005"/>
                   </a:ext>
                 </a:extLst>
               </a:tr>
@@ -5480,14 +6988,21 @@
   <p:clrMapOvr>
     <a:masterClrMapping/>
   </p:clrMapOvr>
-  <mc:AlternateContent xmlns:mc="http://schemas.openxmlformats.org/markup-compatibility/2006">
-    <mc:Choice xmlns:p14="http://schemas.microsoft.com/office/powerpoint/2010/main" Requires="p14">
+  <mc:AlternateContent xmlns:mc="http://schemas.openxmlformats.org/markup-compatibility/2006" xmlns:p14="http://schemas.microsoft.com/office/powerpoint/2010/main">
+    <mc:Choice Requires="p14">
       <p:transition spd="slow" p14:dur="2000"/>
     </mc:Choice>
-    <mc:Fallback>
+    <mc:Fallback xmlns="">
       <p:transition spd="slow"/>
     </mc:Fallback>
   </mc:AlternateContent>
+  <p:timing>
+    <p:tnLst>
+      <p:par>
+        <p:cTn id="1" dur="indefinite" restart="never" nodeType="tmRoot"/>
+      </p:par>
+    </p:tnLst>
+  </p:timing>
 </p:sld>
 </file>
 
@@ -5521,7 +7036,7 @@
         <p:spPr/>
         <p:txBody>
           <a:bodyPr>
-            <a:normAutofit fontScale="90000"/>
+            <a:normAutofit/>
           </a:bodyPr>
           <a:lstStyle/>
           <a:p>
@@ -5531,7 +7046,11 @@
             </a:r>
             <a:r>
               <a:rPr lang="en-US" dirty="0" smtClean="0"/>
-              <a:t>Preparation – cleaning data</a:t>
+              <a:t>Preparation </a:t>
+            </a:r>
+            <a:r>
+              <a:rPr lang="en-US" dirty="0" smtClean="0"/>
+              <a:t>(1)</a:t>
             </a:r>
             <a:endParaRPr lang="en-US" dirty="0"/>
           </a:p>
@@ -5557,6 +7076,18 @@
           <a:bodyPr/>
           <a:lstStyle/>
           <a:p>
+            <a:r>
+              <a:rPr lang="en-US" dirty="0" smtClean="0"/>
+              <a:t>Travers </a:t>
+            </a:r>
+            <a:r>
+              <a:rPr lang="en-US" dirty="0" err="1" smtClean="0"/>
+              <a:t>GenderStats</a:t>
+            </a:r>
+            <a:r>
+              <a:rPr lang="en-US" dirty="0" smtClean="0"/>
+              <a:t> Columns</a:t>
+            </a:r>
             <a:endParaRPr lang="en-US" dirty="0"/>
           </a:p>
           <a:p>
@@ -5589,6 +7120,13 @@
   <p:clrMapOvr>
     <a:masterClrMapping/>
   </p:clrMapOvr>
+  <p:timing>
+    <p:tnLst>
+      <p:par>
+        <p:cTn id="1" dur="indefinite" restart="never" nodeType="tmRoot"/>
+      </p:par>
+    </p:tnLst>
+  </p:timing>
 </p:sld>
 </file>
 
@@ -5702,6 +7240,13 @@
   <p:clrMapOvr>
     <a:masterClrMapping/>
   </p:clrMapOvr>
+  <p:timing>
+    <p:tnLst>
+      <p:par>
+        <p:cTn id="1" dur="indefinite" restart="never" nodeType="tmRoot"/>
+      </p:par>
+    </p:tnLst>
+  </p:timing>
 </p:sld>
 </file>
 
@@ -5739,7 +7284,7 @@
           <a:p>
             <a:r>
               <a:rPr lang="en-US" dirty="0" smtClean="0"/>
-              <a:t>Challenges</a:t>
+              <a:t>Specified Data Types</a:t>
             </a:r>
             <a:endParaRPr lang="en-US" dirty="0"/>
           </a:p>
@@ -5761,54 +7306,15 @@
           <a:lstStyle/>
           <a:p>
             <a:r>
-              <a:rPr lang="en-US" dirty="0"/>
-              <a:t>Many missing Values!</a:t>
-            </a:r>
-          </a:p>
-          <a:p>
-            <a:pPr lvl="1"/>
-            <a:r>
               <a:rPr lang="en-US" dirty="0" smtClean="0"/>
-              <a:t>Solved by: </a:t>
-            </a:r>
-            <a:endParaRPr lang="en-US" dirty="0"/>
-          </a:p>
-          <a:p>
-            <a:r>
-              <a:rPr lang="en-US" dirty="0"/>
-              <a:t>Not normalized.</a:t>
-            </a:r>
-          </a:p>
-          <a:p>
-            <a:pPr lvl="1"/>
-            <a:r>
-              <a:rPr lang="en-US" dirty="0"/>
-              <a:t>Solved by: </a:t>
-            </a:r>
-            <a:endParaRPr lang="en-US" dirty="0" smtClean="0"/>
+              <a:t>Countries are binaries indicators (treated as integers – {0,1})</a:t>
+            </a:r>
           </a:p>
           <a:p>
             <a:r>
               <a:rPr lang="en-US" dirty="0" smtClean="0"/>
-              <a:t>Duplicate values in OECD Data</a:t>
-            </a:r>
-          </a:p>
-          <a:p>
-            <a:pPr lvl="1"/>
-            <a:r>
-              <a:rPr lang="en-US" dirty="0" smtClean="0"/>
-              <a:t>‘subject’ column create duplicate (</a:t>
-            </a:r>
-            <a:r>
-              <a:rPr lang="en-US" dirty="0" err="1" smtClean="0"/>
-              <a:t>Total,Self</a:t>
-            </a:r>
-            <a:r>
-              <a:rPr lang="en-US" dirty="0" smtClean="0"/>
-              <a:t>-employed) – taking the majority values.</a:t>
-            </a:r>
-          </a:p>
-          <a:p>
+              <a:t>All other features are float.</a:t>
+            </a:r>
             <a:endParaRPr lang="en-US" dirty="0"/>
           </a:p>
         </p:txBody>
@@ -5816,13 +7322,20 @@
     </p:spTree>
     <p:extLst>
       <p:ext uri="{BB962C8B-B14F-4D97-AF65-F5344CB8AC3E}">
-        <p14:creationId xmlns:p14="http://schemas.microsoft.com/office/powerpoint/2010/main" val="1864583965"/>
+        <p14:creationId xmlns:p14="http://schemas.microsoft.com/office/powerpoint/2010/main" val="2475355611"/>
       </p:ext>
     </p:extLst>
   </p:cSld>
   <p:clrMapOvr>
     <a:masterClrMapping/>
   </p:clrMapOvr>
+  <p:timing>
+    <p:tnLst>
+      <p:par>
+        <p:cTn id="1" dur="indefinite" restart="never" nodeType="tmRoot"/>
+      </p:par>
+    </p:tnLst>
+  </p:timing>
 </p:sld>
 </file>
 
@@ -5859,807 +7372,49 @@
           <a:lstStyle/>
           <a:p>
             <a:r>
-              <a:rPr lang="en-US" dirty="0"/>
-              <a:t>Implementation plan</a:t>
-            </a:r>
-          </a:p>
-        </p:txBody>
-      </p:sp>
-      <p:graphicFrame>
-        <p:nvGraphicFramePr>
-          <p:cNvPr id="4" name="Table 3"/>
-          <p:cNvGraphicFramePr>
-            <a:graphicFrameLocks noGrp="1"/>
-          </p:cNvGraphicFramePr>
-          <p:nvPr>
-            <p:extLst>
-              <p:ext uri="{D42A27DB-BD31-4B8C-83A1-F6EECF244321}">
-                <p14:modId xmlns:p14="http://schemas.microsoft.com/office/powerpoint/2010/main" val="3525530455"/>
-              </p:ext>
-            </p:extLst>
-          </p:nvPr>
-        </p:nvGraphicFramePr>
-        <p:xfrm>
-          <a:off x="457304" y="2089314"/>
-          <a:ext cx="11160642" cy="4659969"/>
-        </p:xfrm>
-        <a:graphic>
-          <a:graphicData uri="http://schemas.openxmlformats.org/drawingml/2006/table">
-            <a:tbl>
-              <a:tblPr firstRow="1" bandRow="1">
-                <a:tableStyleId>{5C22544A-7EE6-4342-B048-85BDC9FD1C3A}</a:tableStyleId>
-              </a:tblPr>
-              <a:tblGrid>
-                <a:gridCol w="3720214">
-                  <a:extLst>
-                    <a:ext uri="{9D8B030D-6E8A-4147-A177-3AD203B41FA5}">
-                      <a16:colId xmlns="" xmlns:a16="http://schemas.microsoft.com/office/drawing/2014/main" val="20000"/>
-                    </a:ext>
-                  </a:extLst>
-                </a:gridCol>
-                <a:gridCol w="6601590">
-                  <a:extLst>
-                    <a:ext uri="{9D8B030D-6E8A-4147-A177-3AD203B41FA5}">
-                      <a16:colId xmlns="" xmlns:a16="http://schemas.microsoft.com/office/drawing/2014/main" val="20001"/>
-                    </a:ext>
-                  </a:extLst>
-                </a:gridCol>
-                <a:gridCol w="838838">
-                  <a:extLst>
-                    <a:ext uri="{9D8B030D-6E8A-4147-A177-3AD203B41FA5}">
-                      <a16:colId xmlns="" xmlns:a16="http://schemas.microsoft.com/office/drawing/2014/main" val="20002"/>
-                    </a:ext>
-                  </a:extLst>
-                </a:gridCol>
-              </a:tblGrid>
-              <a:tr h="285799">
-                <a:tc>
-                  <a:txBody>
-                    <a:bodyPr/>
-                    <a:lstStyle/>
-                    <a:p>
-                      <a:r>
-                        <a:rPr lang="en-US" dirty="0"/>
-                        <a:t>Millstone</a:t>
-                      </a:r>
-                    </a:p>
-                  </a:txBody>
-                  <a:tcPr/>
-                </a:tc>
-                <a:tc>
-                  <a:txBody>
-                    <a:bodyPr/>
-                    <a:lstStyle/>
-                    <a:p>
-                      <a:r>
-                        <a:rPr lang="en-US" dirty="0"/>
-                        <a:t>tasks</a:t>
-                      </a:r>
-                    </a:p>
-                  </a:txBody>
-                  <a:tcPr/>
-                </a:tc>
-                <a:tc>
-                  <a:txBody>
-                    <a:bodyPr/>
-                    <a:lstStyle/>
-                    <a:p>
-                      <a:r>
-                        <a:rPr lang="en-US" dirty="0"/>
-                        <a:t>status</a:t>
-                      </a:r>
-                    </a:p>
-                  </a:txBody>
-                  <a:tcPr/>
-                </a:tc>
-                <a:extLst>
-                  <a:ext uri="{0D108BD9-81ED-4DB2-BD59-A6C34878D82A}">
-                    <a16:rowId xmlns="" xmlns:a16="http://schemas.microsoft.com/office/drawing/2014/main" val="10000"/>
-                  </a:ext>
-                </a:extLst>
-              </a:tr>
-              <a:tr h="238166">
-                <a:tc rowSpan="2">
-                  <a:txBody>
-                    <a:bodyPr/>
-                    <a:lstStyle/>
-                    <a:p>
-                      <a:r>
-                        <a:rPr lang="en-US" sz="1400" b="1" dirty="0"/>
-                        <a:t>Business understanding</a:t>
-                      </a:r>
-                    </a:p>
-                  </a:txBody>
-                  <a:tcPr/>
-                </a:tc>
-                <a:tc>
-                  <a:txBody>
-                    <a:bodyPr/>
-                    <a:lstStyle/>
-                    <a:p>
-                      <a:r>
-                        <a:rPr lang="en-US" sz="1400" dirty="0"/>
-                        <a:t>Search</a:t>
-                      </a:r>
-                      <a:r>
-                        <a:rPr lang="en-US" sz="1400" baseline="0" dirty="0"/>
-                        <a:t> salary and gender statistics</a:t>
-                      </a:r>
-                      <a:endParaRPr lang="en-US" sz="1400" dirty="0"/>
-                    </a:p>
-                  </a:txBody>
-                  <a:tcPr/>
-                </a:tc>
-                <a:tc>
-                  <a:txBody>
-                    <a:bodyPr/>
-                    <a:lstStyle/>
-                    <a:p>
-                      <a:r>
-                        <a:rPr lang="en-US" sz="1400" dirty="0"/>
-                        <a:t>Done.</a:t>
-                      </a:r>
-                    </a:p>
-                  </a:txBody>
-                  <a:tcPr/>
-                </a:tc>
-                <a:extLst>
-                  <a:ext uri="{0D108BD9-81ED-4DB2-BD59-A6C34878D82A}">
-                    <a16:rowId xmlns="" xmlns:a16="http://schemas.microsoft.com/office/drawing/2014/main" val="10001"/>
-                  </a:ext>
-                </a:extLst>
-              </a:tr>
-              <a:tr h="238166">
-                <a:tc vMerge="1">
-                  <a:txBody>
-                    <a:bodyPr/>
-                    <a:lstStyle/>
-                    <a:p>
-                      <a:endParaRPr lang="en-US" sz="1200" b="1" dirty="0"/>
-                    </a:p>
-                  </a:txBody>
-                  <a:tcPr/>
-                </a:tc>
-                <a:tc>
-                  <a:txBody>
-                    <a:bodyPr/>
-                    <a:lstStyle/>
-                    <a:p>
-                      <a:r>
-                        <a:rPr lang="en-US" sz="1400" dirty="0"/>
-                        <a:t>Defining the problem </a:t>
-                      </a:r>
-                    </a:p>
-                  </a:txBody>
-                  <a:tcPr/>
-                </a:tc>
-                <a:tc>
-                  <a:txBody>
-                    <a:bodyPr/>
-                    <a:lstStyle/>
-                    <a:p>
-                      <a:r>
-                        <a:rPr lang="en-US" sz="1400" dirty="0"/>
-                        <a:t>Done.</a:t>
-                      </a:r>
-                    </a:p>
-                  </a:txBody>
-                  <a:tcPr/>
-                </a:tc>
-                <a:extLst>
-                  <a:ext uri="{0D108BD9-81ED-4DB2-BD59-A6C34878D82A}">
-                    <a16:rowId xmlns="" xmlns:a16="http://schemas.microsoft.com/office/drawing/2014/main" val="10002"/>
-                  </a:ext>
-                </a:extLst>
-              </a:tr>
-              <a:tr h="332222">
-                <a:tc>
-                  <a:txBody>
-                    <a:bodyPr/>
-                    <a:lstStyle/>
-                    <a:p>
-                      <a:r>
-                        <a:rPr lang="en-US" sz="1400" b="1" dirty="0"/>
-                        <a:t>Data understanding </a:t>
-                      </a:r>
-                    </a:p>
-                  </a:txBody>
-                  <a:tcPr/>
-                </a:tc>
-                <a:tc>
-                  <a:txBody>
-                    <a:bodyPr/>
-                    <a:lstStyle/>
-                    <a:p>
-                      <a:r>
-                        <a:rPr lang="en-US" sz="1400" dirty="0"/>
-                        <a:t>Focused on </a:t>
-                      </a:r>
-                      <a:r>
-                        <a:rPr lang="en-US" sz="1400" dirty="0" err="1"/>
-                        <a:t>GenderStats</a:t>
-                      </a:r>
-                      <a:r>
-                        <a:rPr lang="en-US" sz="1400" dirty="0"/>
-                        <a:t>,</a:t>
-                      </a:r>
-                      <a:r>
-                        <a:rPr lang="en-US" sz="1400" baseline="0" dirty="0"/>
-                        <a:t> </a:t>
-                      </a:r>
-                      <a:r>
-                        <a:rPr lang="en-US" sz="1400" baseline="0" dirty="0" err="1"/>
-                        <a:t>Sallary</a:t>
-                      </a:r>
-                      <a:r>
-                        <a:rPr lang="en-US" sz="1400" baseline="0" dirty="0"/>
-                        <a:t> gap csv on  OECD </a:t>
-                      </a:r>
-                      <a:endParaRPr lang="en-US" sz="1400" dirty="0"/>
-                    </a:p>
-                  </a:txBody>
-                  <a:tcPr/>
-                </a:tc>
-                <a:tc>
-                  <a:txBody>
-                    <a:bodyPr/>
-                    <a:lstStyle/>
-                    <a:p>
-                      <a:pPr marL="0" marR="0" lvl="0" indent="0" algn="l" defTabSz="914400" rtl="0" eaLnBrk="1" fontAlgn="auto" latinLnBrk="0" hangingPunct="1">
-                        <a:lnSpc>
-                          <a:spcPct val="100000"/>
-                        </a:lnSpc>
-                        <a:spcBef>
-                          <a:spcPts val="0"/>
-                        </a:spcBef>
-                        <a:spcAft>
-                          <a:spcPts val="0"/>
-                        </a:spcAft>
-                        <a:buClrTx/>
-                        <a:buSzTx/>
-                        <a:buFontTx/>
-                        <a:buNone/>
-                        <a:tabLst/>
-                        <a:defRPr/>
-                      </a:pPr>
-                      <a:r>
-                        <a:rPr lang="en-US" sz="1400" dirty="0"/>
-                        <a:t>Done.</a:t>
-                      </a:r>
-                    </a:p>
-                  </a:txBody>
-                  <a:tcPr/>
-                </a:tc>
-                <a:extLst>
-                  <a:ext uri="{0D108BD9-81ED-4DB2-BD59-A6C34878D82A}">
-                    <a16:rowId xmlns="" xmlns:a16="http://schemas.microsoft.com/office/drawing/2014/main" val="10003"/>
-                  </a:ext>
-                </a:extLst>
-              </a:tr>
-              <a:tr h="469019">
-                <a:tc rowSpan="6">
-                  <a:txBody>
-                    <a:bodyPr/>
-                    <a:lstStyle/>
-                    <a:p>
-                      <a:r>
-                        <a:rPr lang="en-US" sz="1400" b="1" dirty="0"/>
-                        <a:t>Data preparation &amp; cleaning</a:t>
-                      </a:r>
-                    </a:p>
-                  </a:txBody>
-                  <a:tcPr/>
-                </a:tc>
-                <a:tc>
-                  <a:txBody>
-                    <a:bodyPr/>
-                    <a:lstStyle/>
-                    <a:p>
-                      <a:r>
-                        <a:rPr lang="en-US" sz="1400" dirty="0" err="1"/>
-                        <a:t>GenderStats</a:t>
-                      </a:r>
-                      <a:r>
-                        <a:rPr lang="en-US" sz="1400" dirty="0"/>
-                        <a:t> - Remove fully empty lines , convert</a:t>
-                      </a:r>
-                      <a:r>
-                        <a:rPr lang="en-US" sz="1400" baseline="0" dirty="0"/>
-                        <a:t> Countries, indicators to columns</a:t>
-                      </a:r>
-                      <a:endParaRPr lang="en-US" sz="1400" dirty="0"/>
-                    </a:p>
-                  </a:txBody>
-                  <a:tcPr/>
-                </a:tc>
-                <a:tc>
-                  <a:txBody>
-                    <a:bodyPr/>
-                    <a:lstStyle/>
-                    <a:p>
-                      <a:pPr marL="0" marR="0" lvl="0" indent="0" algn="l" defTabSz="914400" rtl="0" eaLnBrk="1" fontAlgn="auto" latinLnBrk="0" hangingPunct="1">
-                        <a:lnSpc>
-                          <a:spcPct val="100000"/>
-                        </a:lnSpc>
-                        <a:spcBef>
-                          <a:spcPts val="0"/>
-                        </a:spcBef>
-                        <a:spcAft>
-                          <a:spcPts val="0"/>
-                        </a:spcAft>
-                        <a:buClrTx/>
-                        <a:buSzTx/>
-                        <a:buFontTx/>
-                        <a:buNone/>
-                        <a:tabLst/>
-                        <a:defRPr/>
-                      </a:pPr>
-                      <a:r>
-                        <a:rPr lang="en-US" sz="1400" dirty="0"/>
-                        <a:t>Done.</a:t>
-                      </a:r>
-                    </a:p>
-                    <a:p>
-                      <a:endParaRPr lang="en-US" sz="1400" dirty="0"/>
-                    </a:p>
-                  </a:txBody>
-                  <a:tcPr/>
-                </a:tc>
-                <a:extLst>
-                  <a:ext uri="{0D108BD9-81ED-4DB2-BD59-A6C34878D82A}">
-                    <a16:rowId xmlns="" xmlns:a16="http://schemas.microsoft.com/office/drawing/2014/main" val="10004"/>
-                  </a:ext>
-                </a:extLst>
-              </a:tr>
-              <a:tr h="469019">
-                <a:tc vMerge="1">
-                  <a:txBody>
-                    <a:bodyPr/>
-                    <a:lstStyle/>
-                    <a:p>
-                      <a:endParaRPr lang="en-US"/>
-                    </a:p>
-                  </a:txBody>
-                  <a:tcPr/>
-                </a:tc>
-                <a:tc>
-                  <a:txBody>
-                    <a:bodyPr/>
-                    <a:lstStyle/>
-                    <a:p>
-                      <a:r>
-                        <a:rPr lang="en-US" sz="1400" dirty="0"/>
-                        <a:t>Transpose lines</a:t>
-                      </a:r>
-                      <a:r>
-                        <a:rPr lang="en-US" sz="1400" baseline="0" dirty="0"/>
-                        <a:t> to columns  - years and country are columns</a:t>
-                      </a:r>
-                      <a:endParaRPr lang="en-US" sz="1400" dirty="0"/>
-                    </a:p>
-                  </a:txBody>
-                  <a:tcPr/>
-                </a:tc>
-                <a:tc>
-                  <a:txBody>
-                    <a:bodyPr/>
-                    <a:lstStyle/>
-                    <a:p>
-                      <a:r>
-                        <a:rPr lang="en-US" sz="1400" dirty="0"/>
-                        <a:t>Done</a:t>
-                      </a:r>
-                    </a:p>
-                  </a:txBody>
-                  <a:tcPr/>
-                </a:tc>
-                <a:extLst>
-                  <a:ext uri="{0D108BD9-81ED-4DB2-BD59-A6C34878D82A}">
-                    <a16:rowId xmlns="" xmlns:a16="http://schemas.microsoft.com/office/drawing/2014/main" val="10005"/>
-                  </a:ext>
-                </a:extLst>
-              </a:tr>
-              <a:tr h="404883">
-                <a:tc vMerge="1">
-                  <a:txBody>
-                    <a:bodyPr/>
-                    <a:lstStyle/>
-                    <a:p>
-                      <a:endParaRPr lang="en-US" sz="1200" b="1" dirty="0"/>
-                    </a:p>
-                  </a:txBody>
-                  <a:tcPr/>
-                </a:tc>
-                <a:tc>
-                  <a:txBody>
-                    <a:bodyPr/>
-                    <a:lstStyle/>
-                    <a:p>
-                      <a:r>
-                        <a:rPr lang="en-US" sz="1400" dirty="0"/>
-                        <a:t>Remove irrelevant</a:t>
-                      </a:r>
-                      <a:r>
-                        <a:rPr lang="en-US" sz="1400" baseline="0" dirty="0"/>
-                        <a:t> columns from both csv’s</a:t>
-                      </a:r>
-                      <a:endParaRPr lang="en-US" sz="1400" dirty="0"/>
-                    </a:p>
-                  </a:txBody>
-                  <a:tcPr/>
-                </a:tc>
-                <a:tc>
-                  <a:txBody>
-                    <a:bodyPr/>
-                    <a:lstStyle/>
-                    <a:p>
-                      <a:pPr marL="0" marR="0" lvl="0" indent="0" algn="l" defTabSz="914400" rtl="0" eaLnBrk="1" fontAlgn="auto" latinLnBrk="0" hangingPunct="1">
-                        <a:lnSpc>
-                          <a:spcPct val="100000"/>
-                        </a:lnSpc>
-                        <a:spcBef>
-                          <a:spcPts val="0"/>
-                        </a:spcBef>
-                        <a:spcAft>
-                          <a:spcPts val="0"/>
-                        </a:spcAft>
-                        <a:buClrTx/>
-                        <a:buSzTx/>
-                        <a:buFontTx/>
-                        <a:buNone/>
-                        <a:tabLst/>
-                        <a:defRPr/>
-                      </a:pPr>
-                      <a:r>
-                        <a:rPr lang="en-US" sz="1400" dirty="0"/>
-                        <a:t>Done.</a:t>
-                      </a:r>
-                    </a:p>
-                    <a:p>
-                      <a:endParaRPr lang="en-US" sz="1400" dirty="0"/>
-                    </a:p>
-                  </a:txBody>
-                  <a:tcPr/>
-                </a:tc>
-                <a:extLst>
-                  <a:ext uri="{0D108BD9-81ED-4DB2-BD59-A6C34878D82A}">
-                    <a16:rowId xmlns="" xmlns:a16="http://schemas.microsoft.com/office/drawing/2014/main" val="10006"/>
-                  </a:ext>
-                </a:extLst>
-              </a:tr>
-              <a:tr h="332222">
-                <a:tc vMerge="1">
-                  <a:txBody>
-                    <a:bodyPr/>
-                    <a:lstStyle/>
-                    <a:p>
-                      <a:endParaRPr lang="en-US"/>
-                    </a:p>
-                  </a:txBody>
-                  <a:tcPr/>
-                </a:tc>
-                <a:tc>
-                  <a:txBody>
-                    <a:bodyPr/>
-                    <a:lstStyle/>
-                    <a:p>
-                      <a:pPr marL="0" marR="0" lvl="0" indent="0" algn="l" defTabSz="914400" rtl="0" eaLnBrk="1" fontAlgn="auto" latinLnBrk="0" hangingPunct="1">
-                        <a:lnSpc>
-                          <a:spcPct val="100000"/>
-                        </a:lnSpc>
-                        <a:spcBef>
-                          <a:spcPts val="0"/>
-                        </a:spcBef>
-                        <a:spcAft>
-                          <a:spcPts val="0"/>
-                        </a:spcAft>
-                        <a:buClrTx/>
-                        <a:buSzTx/>
-                        <a:buFontTx/>
-                        <a:buNone/>
-                        <a:tabLst/>
-                        <a:defRPr/>
-                      </a:pPr>
-                      <a:r>
-                        <a:rPr lang="en-US" sz="1400" dirty="0"/>
-                        <a:t>Intersect  between</a:t>
-                      </a:r>
-                      <a:r>
-                        <a:rPr lang="en-US" sz="1400" baseline="0" dirty="0"/>
-                        <a:t> countries and years</a:t>
-                      </a:r>
-                      <a:endParaRPr lang="en-US" sz="1400" dirty="0"/>
-                    </a:p>
-                  </a:txBody>
-                  <a:tcPr/>
-                </a:tc>
-                <a:tc>
-                  <a:txBody>
-                    <a:bodyPr/>
-                    <a:lstStyle/>
-                    <a:p>
-                      <a:r>
-                        <a:rPr lang="en-US" sz="1400" dirty="0" smtClean="0"/>
-                        <a:t>Done</a:t>
-                      </a:r>
-                      <a:endParaRPr lang="en-US" sz="1400" dirty="0"/>
-                    </a:p>
-                  </a:txBody>
-                  <a:tcPr/>
-                </a:tc>
-                <a:extLst>
-                  <a:ext uri="{0D108BD9-81ED-4DB2-BD59-A6C34878D82A}">
-                    <a16:rowId xmlns="" xmlns:a16="http://schemas.microsoft.com/office/drawing/2014/main" val="10007"/>
-                  </a:ext>
-                </a:extLst>
-              </a:tr>
-              <a:tr h="332222">
-                <a:tc vMerge="1">
-                  <a:txBody>
-                    <a:bodyPr/>
-                    <a:lstStyle/>
-                    <a:p>
-                      <a:endParaRPr lang="en-US" sz="1200" b="1" dirty="0"/>
-                    </a:p>
-                  </a:txBody>
-                  <a:tcPr/>
-                </a:tc>
-                <a:tc>
-                  <a:txBody>
-                    <a:bodyPr/>
-                    <a:lstStyle/>
-                    <a:p>
-                      <a:r>
-                        <a:rPr lang="en-US" sz="1400" dirty="0"/>
-                        <a:t>Merge </a:t>
-                      </a:r>
-                      <a:r>
-                        <a:rPr lang="en-US" sz="1400" dirty="0" err="1"/>
-                        <a:t>oecd</a:t>
-                      </a:r>
-                      <a:r>
-                        <a:rPr lang="en-US" sz="1400" baseline="0" dirty="0"/>
-                        <a:t> data and </a:t>
-                      </a:r>
-                      <a:r>
-                        <a:rPr lang="en-US" sz="1400" baseline="0" dirty="0" err="1"/>
-                        <a:t>GenderStats</a:t>
-                      </a:r>
-                      <a:r>
-                        <a:rPr lang="en-US" sz="1400" baseline="0" dirty="0"/>
-                        <a:t> csv</a:t>
-                      </a:r>
-                      <a:endParaRPr lang="en-US" sz="1400" dirty="0"/>
-                    </a:p>
-                  </a:txBody>
-                  <a:tcPr/>
-                </a:tc>
-                <a:tc>
-                  <a:txBody>
-                    <a:bodyPr/>
-                    <a:lstStyle/>
-                    <a:p>
-                      <a:r>
-                        <a:rPr lang="en-US" sz="1400" dirty="0" smtClean="0"/>
-                        <a:t>Done</a:t>
-                      </a:r>
-                      <a:endParaRPr lang="en-US" sz="1400" dirty="0"/>
-                    </a:p>
-                  </a:txBody>
-                  <a:tcPr/>
-                </a:tc>
-                <a:extLst>
-                  <a:ext uri="{0D108BD9-81ED-4DB2-BD59-A6C34878D82A}">
-                    <a16:rowId xmlns="" xmlns:a16="http://schemas.microsoft.com/office/drawing/2014/main" val="10008"/>
-                  </a:ext>
-                </a:extLst>
-              </a:tr>
-              <a:tr h="332222">
-                <a:tc vMerge="1">
-                  <a:txBody>
-                    <a:bodyPr/>
-                    <a:lstStyle/>
-                    <a:p>
-                      <a:endParaRPr lang="en-US" sz="1200" b="1" dirty="0"/>
-                    </a:p>
-                  </a:txBody>
-                  <a:tcPr/>
-                </a:tc>
-                <a:tc>
-                  <a:txBody>
-                    <a:bodyPr/>
-                    <a:lstStyle/>
-                    <a:p>
-                      <a:r>
-                        <a:rPr lang="en-US" sz="1400" dirty="0"/>
-                        <a:t>complete missing values</a:t>
-                      </a:r>
-                      <a:r>
-                        <a:rPr lang="en-US" sz="1400" baseline="0" dirty="0"/>
-                        <a:t> </a:t>
-                      </a:r>
-                      <a:endParaRPr lang="en-US" sz="1400" dirty="0"/>
-                    </a:p>
-                  </a:txBody>
-                  <a:tcPr/>
-                </a:tc>
-                <a:tc>
-                  <a:txBody>
-                    <a:bodyPr/>
-                    <a:lstStyle/>
-                    <a:p>
-                      <a:r>
-                        <a:rPr lang="en-US" sz="1400" dirty="0" smtClean="0"/>
-                        <a:t>Done</a:t>
-                      </a:r>
-                      <a:endParaRPr lang="en-US" sz="1400" dirty="0"/>
-                    </a:p>
-                  </a:txBody>
-                  <a:tcPr/>
-                </a:tc>
-                <a:extLst>
-                  <a:ext uri="{0D108BD9-81ED-4DB2-BD59-A6C34878D82A}">
-                    <a16:rowId xmlns="" xmlns:a16="http://schemas.microsoft.com/office/drawing/2014/main" val="10009"/>
-                  </a:ext>
-                </a:extLst>
-              </a:tr>
-              <a:tr h="332222">
-                <a:tc>
-                  <a:txBody>
-                    <a:bodyPr/>
-                    <a:lstStyle/>
-                    <a:p>
-                      <a:pPr marL="0" marR="0" lvl="0" indent="0" algn="l" defTabSz="914400" rtl="0" eaLnBrk="1" fontAlgn="auto" latinLnBrk="0" hangingPunct="1">
-                        <a:lnSpc>
-                          <a:spcPct val="100000"/>
-                        </a:lnSpc>
-                        <a:spcBef>
-                          <a:spcPts val="0"/>
-                        </a:spcBef>
-                        <a:spcAft>
-                          <a:spcPts val="0"/>
-                        </a:spcAft>
-                        <a:buClrTx/>
-                        <a:buSzTx/>
-                        <a:buFontTx/>
-                        <a:buNone/>
-                        <a:tabLst/>
-                        <a:defRPr/>
-                      </a:pPr>
-                      <a:r>
-                        <a:rPr lang="en-US" sz="1400" b="1" dirty="0"/>
-                        <a:t>Data Analysis</a:t>
-                      </a:r>
-                    </a:p>
-                    <a:p>
-                      <a:endParaRPr lang="en-US" sz="1400" b="1" dirty="0"/>
-                    </a:p>
-                  </a:txBody>
-                  <a:tcPr/>
-                </a:tc>
-                <a:tc>
-                  <a:txBody>
-                    <a:bodyPr/>
-                    <a:lstStyle/>
-                    <a:p>
-                      <a:r>
-                        <a:rPr lang="en-US" sz="1400" dirty="0"/>
-                        <a:t>Defining train and test data</a:t>
-                      </a:r>
-                    </a:p>
-                  </a:txBody>
-                  <a:tcPr/>
-                </a:tc>
-                <a:tc>
-                  <a:txBody>
-                    <a:bodyPr/>
-                    <a:lstStyle/>
-                    <a:p>
-                      <a:r>
-                        <a:rPr lang="en-US" sz="1400" dirty="0" smtClean="0"/>
-                        <a:t>Done</a:t>
-                      </a:r>
-                      <a:endParaRPr lang="en-US" sz="1400" dirty="0"/>
-                    </a:p>
-                  </a:txBody>
-                  <a:tcPr/>
-                </a:tc>
-                <a:extLst>
-                  <a:ext uri="{0D108BD9-81ED-4DB2-BD59-A6C34878D82A}">
-                    <a16:rowId xmlns="" xmlns:a16="http://schemas.microsoft.com/office/drawing/2014/main" val="10010"/>
-                  </a:ext>
-                </a:extLst>
-              </a:tr>
-              <a:tr h="332222">
-                <a:tc>
-                  <a:txBody>
-                    <a:bodyPr/>
-                    <a:lstStyle/>
-                    <a:p>
-                      <a:endParaRPr lang="en-US" sz="1400" b="1" dirty="0"/>
-                    </a:p>
-                  </a:txBody>
-                  <a:tcPr/>
-                </a:tc>
-                <a:tc>
-                  <a:txBody>
-                    <a:bodyPr/>
-                    <a:lstStyle/>
-                    <a:p>
-                      <a:r>
-                        <a:rPr lang="en-US" sz="1400" dirty="0"/>
-                        <a:t>Select and normalize features (by correlation) </a:t>
-                      </a:r>
-                    </a:p>
-                  </a:txBody>
-                  <a:tcPr/>
-                </a:tc>
-                <a:tc>
-                  <a:txBody>
-                    <a:bodyPr/>
-                    <a:lstStyle/>
-                    <a:p>
-                      <a:r>
-                        <a:rPr lang="en-US" sz="1400" dirty="0" smtClean="0"/>
-                        <a:t>Done</a:t>
-                      </a:r>
-                      <a:endParaRPr lang="en-US" sz="1400" dirty="0"/>
-                    </a:p>
-                  </a:txBody>
-                  <a:tcPr/>
-                </a:tc>
-                <a:extLst>
-                  <a:ext uri="{0D108BD9-81ED-4DB2-BD59-A6C34878D82A}">
-                    <a16:rowId xmlns="" xmlns:a16="http://schemas.microsoft.com/office/drawing/2014/main" val="10011"/>
-                  </a:ext>
-                </a:extLst>
-              </a:tr>
-            </a:tbl>
-          </a:graphicData>
-        </a:graphic>
-      </p:graphicFrame>
-      <p:pic>
-        <p:nvPicPr>
-          <p:cNvPr id="5" name="Picture 2"/>
-          <p:cNvPicPr>
-            <a:picLocks noChangeAspect="1" noChangeArrowheads="1"/>
-          </p:cNvPicPr>
-          <p:nvPr/>
-        </p:nvPicPr>
-        <p:blipFill>
-          <a:blip r:embed="rId2" cstate="print"/>
-          <a:srcRect/>
-          <a:stretch>
-            <a:fillRect/>
-          </a:stretch>
-        </p:blipFill>
-        <p:spPr bwMode="auto">
-          <a:xfrm>
-            <a:off x="7784804" y="405343"/>
-            <a:ext cx="2717361" cy="2005308"/>
-          </a:xfrm>
-          <a:prstGeom prst="rect">
-            <a:avLst/>
-          </a:prstGeom>
-          <a:noFill/>
-          <a:ln w="9525">
-            <a:noFill/>
-            <a:miter lim="800000"/>
-            <a:headEnd/>
-            <a:tailEnd/>
-          </a:ln>
-        </p:spPr>
-      </p:pic>
+              <a:rPr lang="en-US" dirty="0" smtClean="0"/>
+              <a:t>Fill Missing data</a:t>
+            </a:r>
+            <a:endParaRPr lang="en-US" dirty="0"/>
+          </a:p>
+        </p:txBody>
+      </p:sp>
+      <p:sp>
+        <p:nvSpPr>
+          <p:cNvPr id="3" name="Content Placeholder 2"/>
+          <p:cNvSpPr>
+            <a:spLocks noGrp="1"/>
+          </p:cNvSpPr>
+          <p:nvPr>
+            <p:ph idx="1"/>
+          </p:nvPr>
+        </p:nvSpPr>
+        <p:spPr/>
+        <p:txBody>
+          <a:bodyPr/>
+          <a:lstStyle/>
+          <a:p>
+            <a:endParaRPr lang="en-US"/>
+          </a:p>
+        </p:txBody>
+      </p:sp>
     </p:spTree>
     <p:extLst>
       <p:ext uri="{BB962C8B-B14F-4D97-AF65-F5344CB8AC3E}">
-        <p14:creationId xmlns:p14="http://schemas.microsoft.com/office/powerpoint/2010/main" val="1937447193"/>
+        <p14:creationId xmlns:p14="http://schemas.microsoft.com/office/powerpoint/2010/main" val="223594629"/>
       </p:ext>
     </p:extLst>
   </p:cSld>
   <p:clrMapOvr>
     <a:masterClrMapping/>
   </p:clrMapOvr>
+  <p:timing>
+    <p:tnLst>
+      <p:par>
+        <p:cTn id="1" dur="indefinite" restart="never" nodeType="tmRoot"/>
+      </p:par>
+    </p:tnLst>
+  </p:timing>
 </p:sld>
 </file>
 

--- a/Sallary gap predictionfrom Presentation 1_1_17.pptx
+++ b/Sallary gap predictionfrom Presentation 1_1_17.pptx
@@ -601,7 +601,7 @@
             <a:fld id="{DCCFA427-BB50-4F8D-8FC4-B0EA0BA5795C}" type="datetimeFigureOut">
               <a:rPr lang="en-US" smtClean="0"/>
               <a:pPr/>
-              <a:t>12/28/2016</a:t>
+              <a:t>31/12/2016</a:t>
             </a:fld>
             <a:endParaRPr lang="en-US"/>
           </a:p>
@@ -805,7 +805,7 @@
             <a:fld id="{DCCFA427-BB50-4F8D-8FC4-B0EA0BA5795C}" type="datetimeFigureOut">
               <a:rPr lang="en-US" smtClean="0"/>
               <a:pPr/>
-              <a:t>12/28/2016</a:t>
+              <a:t>31/12/2016</a:t>
             </a:fld>
             <a:endParaRPr lang="en-US"/>
           </a:p>
@@ -987,7 +987,7 @@
             <a:fld id="{DCCFA427-BB50-4F8D-8FC4-B0EA0BA5795C}" type="datetimeFigureOut">
               <a:rPr lang="en-US" smtClean="0"/>
               <a:pPr/>
-              <a:t>12/28/2016</a:t>
+              <a:t>31/12/2016</a:t>
             </a:fld>
             <a:endParaRPr lang="en-US"/>
           </a:p>
@@ -1159,7 +1159,7 @@
             <a:fld id="{DCCFA427-BB50-4F8D-8FC4-B0EA0BA5795C}" type="datetimeFigureOut">
               <a:rPr lang="en-US" smtClean="0"/>
               <a:pPr/>
-              <a:t>12/28/2016</a:t>
+              <a:t>31/12/2016</a:t>
             </a:fld>
             <a:endParaRPr lang="en-US"/>
           </a:p>
@@ -1732,7 +1732,7 @@
             <a:fld id="{DCCFA427-BB50-4F8D-8FC4-B0EA0BA5795C}" type="datetimeFigureOut">
               <a:rPr lang="en-US" smtClean="0"/>
               <a:pPr/>
-              <a:t>12/28/2016</a:t>
+              <a:t>31/12/2016</a:t>
             </a:fld>
             <a:endParaRPr lang="en-US"/>
           </a:p>
@@ -2036,7 +2036,7 @@
             <a:fld id="{DCCFA427-BB50-4F8D-8FC4-B0EA0BA5795C}" type="datetimeFigureOut">
               <a:rPr lang="en-US" smtClean="0"/>
               <a:pPr/>
-              <a:t>12/28/2016</a:t>
+              <a:t>31/12/2016</a:t>
             </a:fld>
             <a:endParaRPr lang="en-US"/>
           </a:p>
@@ -2475,7 +2475,7 @@
             <a:fld id="{DCCFA427-BB50-4F8D-8FC4-B0EA0BA5795C}" type="datetimeFigureOut">
               <a:rPr lang="en-US" smtClean="0"/>
               <a:pPr/>
-              <a:t>12/28/2016</a:t>
+              <a:t>31/12/2016</a:t>
             </a:fld>
             <a:endParaRPr lang="en-US"/>
           </a:p>
@@ -2595,7 +2595,7 @@
             <a:fld id="{DCCFA427-BB50-4F8D-8FC4-B0EA0BA5795C}" type="datetimeFigureOut">
               <a:rPr lang="en-US" smtClean="0"/>
               <a:pPr/>
-              <a:t>12/28/2016</a:t>
+              <a:t>31/12/2016</a:t>
             </a:fld>
             <a:endParaRPr lang="en-US"/>
           </a:p>
@@ -2692,7 +2692,7 @@
             <a:fld id="{DCCFA427-BB50-4F8D-8FC4-B0EA0BA5795C}" type="datetimeFigureOut">
               <a:rPr lang="en-US" smtClean="0"/>
               <a:pPr/>
-              <a:t>12/28/2016</a:t>
+              <a:t>31/12/2016</a:t>
             </a:fld>
             <a:endParaRPr lang="en-US"/>
           </a:p>
@@ -3076,7 +3076,7 @@
             <a:fld id="{DCCFA427-BB50-4F8D-8FC4-B0EA0BA5795C}" type="datetimeFigureOut">
               <a:rPr lang="en-US" smtClean="0"/>
               <a:pPr/>
-              <a:t>12/28/2016</a:t>
+              <a:t>31/12/2016</a:t>
             </a:fld>
             <a:endParaRPr lang="en-US"/>
           </a:p>
@@ -3472,7 +3472,7 @@
             <a:fld id="{DCCFA427-BB50-4F8D-8FC4-B0EA0BA5795C}" type="datetimeFigureOut">
               <a:rPr lang="en-US" smtClean="0"/>
               <a:pPr/>
-              <a:t>12/28/2016</a:t>
+              <a:t>31/12/2016</a:t>
             </a:fld>
             <a:endParaRPr lang="en-US"/>
           </a:p>
@@ -3787,7 +3787,7 @@
             <a:fld id="{DCCFA427-BB50-4F8D-8FC4-B0EA0BA5795C}" type="datetimeFigureOut">
               <a:rPr lang="en-US" smtClean="0"/>
               <a:pPr/>
-              <a:t>12/28/2016</a:t>
+              <a:t>31/12/2016</a:t>
             </a:fld>
             <a:endParaRPr lang="en-US"/>
           </a:p>
@@ -4289,11 +4289,7 @@
             </a:r>
             <a:r>
               <a:rPr lang="en-US" sz="1600" dirty="0"/>
-              <a:t> </a:t>
-            </a:r>
-            <a:r>
-              <a:rPr lang="en-US" sz="1600" dirty="0" smtClean="0"/>
-              <a:t>Status</a:t>
+              <a:t> Status</a:t>
             </a:r>
             <a:endParaRPr lang="en-US" dirty="0"/>
           </a:p>
@@ -4390,10 +4386,9 @@
           <a:lstStyle/>
           <a:p>
             <a:r>
-              <a:rPr lang="en-US" dirty="0" smtClean="0"/>
+              <a:rPr lang="en-US" dirty="0"/>
               <a:t>Challenges</a:t>
             </a:r>
-            <a:endParaRPr lang="en-US" dirty="0"/>
           </a:p>
         </p:txBody>
       </p:sp>
@@ -4421,36 +4416,28 @@
           <a:p>
             <a:r>
               <a:rPr lang="en-US" dirty="0"/>
-              <a:t>Many missing </a:t>
-            </a:r>
-            <a:r>
-              <a:rPr lang="en-US" dirty="0" smtClean="0"/>
-              <a:t>Values – dropping irrelevant columns and dropping records with over 90% null data:</a:t>
+              <a:t>Many missing Values – dropping irrelevant columns and dropping records with over 90% null data:</a:t>
             </a:r>
           </a:p>
           <a:p>
             <a:endParaRPr lang="en-US" dirty="0"/>
           </a:p>
           <a:p>
-            <a:endParaRPr lang="en-US" dirty="0" smtClean="0"/>
-          </a:p>
-          <a:p>
             <a:endParaRPr lang="en-US" dirty="0"/>
           </a:p>
           <a:p>
-            <a:endParaRPr lang="en-US" dirty="0" smtClean="0"/>
-          </a:p>
-          <a:p>
             <a:endParaRPr lang="en-US" dirty="0"/>
           </a:p>
           <a:p>
-            <a:r>
-              <a:rPr lang="en-US" dirty="0" smtClean="0"/>
-              <a:t>Not </a:t>
-            </a:r>
+            <a:endParaRPr lang="en-US" dirty="0"/>
+          </a:p>
+          <a:p>
+            <a:endParaRPr lang="en-US" dirty="0"/>
+          </a:p>
+          <a:p>
             <a:r>
               <a:rPr lang="en-US" dirty="0"/>
-              <a:t>normalized.</a:t>
+              <a:t>Not normalized.</a:t>
             </a:r>
           </a:p>
           <a:p>
@@ -4463,27 +4450,19 @@
             <a:pPr marL="274320" lvl="1" indent="0">
               <a:buNone/>
             </a:pPr>
-            <a:endParaRPr lang="en-US" dirty="0" smtClean="0"/>
-          </a:p>
-          <a:p>
-            <a:r>
-              <a:rPr lang="en-US" dirty="0" smtClean="0"/>
+            <a:endParaRPr lang="en-US" dirty="0"/>
+          </a:p>
+          <a:p>
+            <a:r>
+              <a:rPr lang="en-US" dirty="0"/>
               <a:t>Duplicate values in OECD Data</a:t>
             </a:r>
           </a:p>
           <a:p>
             <a:pPr lvl="1"/>
             <a:r>
-              <a:rPr lang="en-US" dirty="0" smtClean="0"/>
-              <a:t>‘subject’ column create duplicate </a:t>
-            </a:r>
-            <a:r>
-              <a:rPr lang="en-US" dirty="0" smtClean="0"/>
-              <a:t>(Total, Self-employed</a:t>
-            </a:r>
-            <a:r>
-              <a:rPr lang="en-US" dirty="0" smtClean="0"/>
-              <a:t>) </a:t>
+              <a:rPr lang="en-US" dirty="0"/>
+              <a:t>‘subject’ column create duplicate (Total, Self-employed) </a:t>
             </a:r>
           </a:p>
           <a:p>
@@ -4573,13 +4552,6 @@
   <p:clrMapOvr>
     <a:masterClrMapping/>
   </p:clrMapOvr>
-  <p:timing>
-    <p:tnLst>
-      <p:par>
-        <p:cTn id="1" dur="indefinite" restart="never" nodeType="tmRoot"/>
-      </p:par>
-    </p:tnLst>
-  </p:timing>
 </p:sld>
 </file>
 
@@ -4616,10 +4588,9 @@
           <a:lstStyle/>
           <a:p>
             <a:r>
-              <a:rPr lang="en-US" dirty="0" smtClean="0"/>
+              <a:rPr lang="en-US" dirty="0"/>
               <a:t>Data Statistics</a:t>
             </a:r>
-            <a:endParaRPr lang="en-US" dirty="0"/>
           </a:p>
         </p:txBody>
       </p:sp>
@@ -4639,7 +4610,7 @@
           <a:lstStyle/>
           <a:p>
             <a:r>
-              <a:rPr lang="en-US" dirty="0" smtClean="0"/>
+              <a:rPr lang="en-US" dirty="0"/>
               <a:t>Histogram of Wage Gap</a:t>
             </a:r>
           </a:p>
@@ -4682,13 +4653,6 @@
   <p:clrMapOvr>
     <a:masterClrMapping/>
   </p:clrMapOvr>
-  <p:timing>
-    <p:tnLst>
-      <p:par>
-        <p:cTn id="1" dur="indefinite" restart="never" nodeType="tmRoot"/>
-      </p:par>
-    </p:tnLst>
-  </p:timing>
 </p:sld>
 </file>
 
@@ -4747,13 +4711,13 @@
           <a:lstStyle/>
           <a:p>
             <a:r>
-              <a:rPr lang="en-US" dirty="0" smtClean="0"/>
+              <a:rPr lang="en-US" dirty="0"/>
               <a:t>Wage gap Ratio vs years</a:t>
             </a:r>
           </a:p>
           <a:p>
             <a:r>
-              <a:rPr lang="en-US" dirty="0" smtClean="0">
+              <a:rPr lang="en-US" dirty="0">
                 <a:solidFill>
                   <a:srgbClr val="FF0000"/>
                 </a:solidFill>
@@ -4761,21 +4725,21 @@
               <a:t>Red</a:t>
             </a:r>
             <a:r>
-              <a:rPr lang="en-US" dirty="0" smtClean="0"/>
+              <a:rPr lang="en-US" dirty="0"/>
               <a:t> – countries not in </a:t>
             </a:r>
             <a:r>
-              <a:rPr lang="en-US" dirty="0" err="1" smtClean="0"/>
+              <a:rPr lang="en-US" dirty="0" err="1"/>
               <a:t>featurs</a:t>
             </a:r>
             <a:r>
-              <a:rPr lang="en-US" dirty="0" smtClean="0"/>
+              <a:rPr lang="en-US" dirty="0"/>
               <a:t>.</a:t>
             </a:r>
           </a:p>
           <a:p>
             <a:r>
-              <a:rPr lang="en-US" dirty="0" smtClean="0">
+              <a:rPr lang="en-US" dirty="0">
                 <a:solidFill>
                   <a:srgbClr val="00B050"/>
                 </a:solidFill>
@@ -4783,7 +4747,7 @@
               <a:t>Green-</a:t>
             </a:r>
             <a:r>
-              <a:rPr lang="en-US" dirty="0" smtClean="0"/>
+              <a:rPr lang="en-US" dirty="0"/>
               <a:t> countries selected in</a:t>
             </a:r>
           </a:p>
@@ -4792,7 +4756,7 @@
               <a:buNone/>
             </a:pPr>
             <a:r>
-              <a:rPr lang="en-US" dirty="0" smtClean="0"/>
+              <a:rPr lang="en-US" dirty="0"/>
               <a:t> features</a:t>
             </a:r>
           </a:p>
@@ -4802,7 +4766,7 @@
               <a:buChar char="o"/>
             </a:pPr>
             <a:r>
-              <a:rPr lang="en-US" dirty="0" smtClean="0">
+              <a:rPr lang="en-US" dirty="0">
                 <a:solidFill>
                   <a:srgbClr val="0070C0"/>
                 </a:solidFill>
@@ -4810,7 +4774,7 @@
               <a:t>Blue</a:t>
             </a:r>
             <a:r>
-              <a:rPr lang="en-US" dirty="0" smtClean="0"/>
+              <a:rPr lang="en-US" dirty="0"/>
               <a:t> – average on all countries</a:t>
             </a:r>
           </a:p>
@@ -4819,7 +4783,7 @@
               <a:buNone/>
             </a:pPr>
             <a:r>
-              <a:rPr lang="en-US" dirty="0" smtClean="0"/>
+              <a:rPr lang="en-US" dirty="0"/>
               <a:t>Per year.</a:t>
             </a:r>
           </a:p>
@@ -4827,7 +4791,7 @@
             <a:pPr marL="0" indent="0">
               <a:buNone/>
             </a:pPr>
-            <a:endParaRPr lang="en-US" dirty="0" smtClean="0"/>
+            <a:endParaRPr lang="en-US" dirty="0"/>
           </a:p>
           <a:p>
             <a:endParaRPr lang="en-US" dirty="0"/>
@@ -4868,13 +4832,6 @@
   <p:clrMapOvr>
     <a:masterClrMapping/>
   </p:clrMapOvr>
-  <p:timing>
-    <p:tnLst>
-      <p:par>
-        <p:cTn id="1" dur="indefinite" restart="never" nodeType="tmRoot"/>
-      </p:par>
-    </p:tnLst>
-  </p:timing>
 </p:sld>
 </file>
 
@@ -4911,10 +4868,9 @@
           <a:lstStyle/>
           <a:p>
             <a:r>
-              <a:rPr lang="en-US" dirty="0" smtClean="0"/>
+              <a:rPr lang="en-US" dirty="0"/>
               <a:t>Data Modeling</a:t>
             </a:r>
-            <a:endParaRPr lang="en-US" dirty="0"/>
           </a:p>
         </p:txBody>
       </p:sp>
@@ -4983,10 +4939,9 @@
           <a:lstStyle/>
           <a:p>
             <a:r>
-              <a:rPr lang="en-US" dirty="0" smtClean="0"/>
+              <a:rPr lang="en-US" dirty="0"/>
               <a:t>External Articles </a:t>
             </a:r>
-            <a:endParaRPr lang="en-US" dirty="0"/>
           </a:p>
         </p:txBody>
       </p:sp>
@@ -5089,21 +5044,21 @@
                 <a:gridCol w="3720214">
                   <a:extLst>
                     <a:ext uri="{9D8B030D-6E8A-4147-A177-3AD203B41FA5}">
-                      <a16:colId xmlns:a16="http://schemas.microsoft.com/office/drawing/2014/main" xmlns="" val="20000"/>
+                      <a16:colId xmlns:a16="http://schemas.microsoft.com/office/drawing/2014/main" val="20000"/>
                     </a:ext>
                   </a:extLst>
                 </a:gridCol>
                 <a:gridCol w="6601590">
                   <a:extLst>
                     <a:ext uri="{9D8B030D-6E8A-4147-A177-3AD203B41FA5}">
-                      <a16:colId xmlns:a16="http://schemas.microsoft.com/office/drawing/2014/main" xmlns="" val="20001"/>
+                      <a16:colId xmlns:a16="http://schemas.microsoft.com/office/drawing/2014/main" val="20001"/>
                     </a:ext>
                   </a:extLst>
                 </a:gridCol>
                 <a:gridCol w="838838">
                   <a:extLst>
                     <a:ext uri="{9D8B030D-6E8A-4147-A177-3AD203B41FA5}">
-                      <a16:colId xmlns:a16="http://schemas.microsoft.com/office/drawing/2014/main" xmlns="" val="20002"/>
+                      <a16:colId xmlns:a16="http://schemas.microsoft.com/office/drawing/2014/main" val="20002"/>
                     </a:ext>
                   </a:extLst>
                 </a:gridCol>
@@ -5150,7 +5105,7 @@
                 </a:tc>
                 <a:extLst>
                   <a:ext uri="{0D108BD9-81ED-4DB2-BD59-A6C34878D82A}">
-                    <a16:rowId xmlns:a16="http://schemas.microsoft.com/office/drawing/2014/main" xmlns="" val="10000"/>
+                    <a16:rowId xmlns:a16="http://schemas.microsoft.com/office/drawing/2014/main" val="10000"/>
                   </a:ext>
                 </a:extLst>
               </a:tr>
@@ -5201,7 +5156,7 @@
                 </a:tc>
                 <a:extLst>
                   <a:ext uri="{0D108BD9-81ED-4DB2-BD59-A6C34878D82A}">
-                    <a16:rowId xmlns:a16="http://schemas.microsoft.com/office/drawing/2014/main" xmlns="" val="10001"/>
+                    <a16:rowId xmlns:a16="http://schemas.microsoft.com/office/drawing/2014/main" val="10001"/>
                   </a:ext>
                 </a:extLst>
               </a:tr>
@@ -5244,7 +5199,7 @@
                 </a:tc>
                 <a:extLst>
                   <a:ext uri="{0D108BD9-81ED-4DB2-BD59-A6C34878D82A}">
-                    <a16:rowId xmlns:a16="http://schemas.microsoft.com/office/drawing/2014/main" xmlns="" val="10002"/>
+                    <a16:rowId xmlns:a16="http://schemas.microsoft.com/office/drawing/2014/main" val="10002"/>
                   </a:ext>
                 </a:extLst>
               </a:tr>
@@ -5328,7 +5283,7 @@
                 </a:tc>
                 <a:extLst>
                   <a:ext uri="{0D108BD9-81ED-4DB2-BD59-A6C34878D82A}">
-                    <a16:rowId xmlns:a16="http://schemas.microsoft.com/office/drawing/2014/main" xmlns="" val="10003"/>
+                    <a16:rowId xmlns:a16="http://schemas.microsoft.com/office/drawing/2014/main" val="10003"/>
                   </a:ext>
                 </a:extLst>
               </a:tr>
@@ -5403,7 +5358,7 @@
                 </a:tc>
                 <a:extLst>
                   <a:ext uri="{0D108BD9-81ED-4DB2-BD59-A6C34878D82A}">
-                    <a16:rowId xmlns:a16="http://schemas.microsoft.com/office/drawing/2014/main" xmlns="" val="10004"/>
+                    <a16:rowId xmlns:a16="http://schemas.microsoft.com/office/drawing/2014/main" val="10004"/>
                   </a:ext>
                 </a:extLst>
               </a:tr>
@@ -5451,7 +5406,7 @@
                 </a:tc>
                 <a:extLst>
                   <a:ext uri="{0D108BD9-81ED-4DB2-BD59-A6C34878D82A}">
-                    <a16:rowId xmlns:a16="http://schemas.microsoft.com/office/drawing/2014/main" xmlns="" val="10005"/>
+                    <a16:rowId xmlns:a16="http://schemas.microsoft.com/office/drawing/2014/main" val="10005"/>
                   </a:ext>
                 </a:extLst>
               </a:tr>
@@ -5519,7 +5474,7 @@
                 </a:tc>
                 <a:extLst>
                   <a:ext uri="{0D108BD9-81ED-4DB2-BD59-A6C34878D82A}">
-                    <a16:rowId xmlns:a16="http://schemas.microsoft.com/office/drawing/2014/main" xmlns="" val="10006"/>
+                    <a16:rowId xmlns:a16="http://schemas.microsoft.com/office/drawing/2014/main" val="10006"/>
                   </a:ext>
                 </a:extLst>
               </a:tr>
@@ -5575,17 +5530,16 @@
                     <a:lstStyle/>
                     <a:p>
                       <a:r>
-                        <a:rPr lang="en-US" sz="1400" dirty="0" smtClean="0"/>
+                        <a:rPr lang="en-US" sz="1400" dirty="0"/>
                         <a:t>Done</a:t>
                       </a:r>
-                      <a:endParaRPr lang="en-US" sz="1400" dirty="0"/>
                     </a:p>
                   </a:txBody>
                   <a:tcPr/>
                 </a:tc>
                 <a:extLst>
                   <a:ext uri="{0D108BD9-81ED-4DB2-BD59-A6C34878D82A}">
-                    <a16:rowId xmlns:a16="http://schemas.microsoft.com/office/drawing/2014/main" xmlns="" val="10007"/>
+                    <a16:rowId xmlns:a16="http://schemas.microsoft.com/office/drawing/2014/main" val="10007"/>
                   </a:ext>
                 </a:extLst>
               </a:tr>
@@ -5636,17 +5590,16 @@
                     <a:lstStyle/>
                     <a:p>
                       <a:r>
-                        <a:rPr lang="en-US" sz="1400" dirty="0" smtClean="0"/>
+                        <a:rPr lang="en-US" sz="1400" dirty="0"/>
                         <a:t>Done</a:t>
                       </a:r>
-                      <a:endParaRPr lang="en-US" sz="1400" dirty="0"/>
                     </a:p>
                   </a:txBody>
                   <a:tcPr/>
                 </a:tc>
                 <a:extLst>
                   <a:ext uri="{0D108BD9-81ED-4DB2-BD59-A6C34878D82A}">
-                    <a16:rowId xmlns:a16="http://schemas.microsoft.com/office/drawing/2014/main" xmlns="" val="10008"/>
+                    <a16:rowId xmlns:a16="http://schemas.microsoft.com/office/drawing/2014/main" val="10008"/>
                   </a:ext>
                 </a:extLst>
               </a:tr>
@@ -5685,17 +5638,16 @@
                     <a:lstStyle/>
                     <a:p>
                       <a:r>
-                        <a:rPr lang="en-US" sz="1400" dirty="0" smtClean="0"/>
+                        <a:rPr lang="en-US" sz="1400" dirty="0"/>
                         <a:t>Done</a:t>
                       </a:r>
-                      <a:endParaRPr lang="en-US" sz="1400" dirty="0"/>
                     </a:p>
                   </a:txBody>
                   <a:tcPr/>
                 </a:tc>
                 <a:extLst>
                   <a:ext uri="{0D108BD9-81ED-4DB2-BD59-A6C34878D82A}">
-                    <a16:rowId xmlns:a16="http://schemas.microsoft.com/office/drawing/2014/main" xmlns="" val="10009"/>
+                    <a16:rowId xmlns:a16="http://schemas.microsoft.com/office/drawing/2014/main" val="10009"/>
                   </a:ext>
                 </a:extLst>
               </a:tr>
@@ -5752,17 +5704,16 @@
                     <a:lstStyle/>
                     <a:p>
                       <a:r>
-                        <a:rPr lang="en-US" sz="1400" dirty="0" smtClean="0"/>
+                        <a:rPr lang="en-US" sz="1400" dirty="0"/>
                         <a:t>Done</a:t>
                       </a:r>
-                      <a:endParaRPr lang="en-US" sz="1400" dirty="0"/>
                     </a:p>
                   </a:txBody>
                   <a:tcPr/>
                 </a:tc>
                 <a:extLst>
                   <a:ext uri="{0D108BD9-81ED-4DB2-BD59-A6C34878D82A}">
-                    <a16:rowId xmlns:a16="http://schemas.microsoft.com/office/drawing/2014/main" xmlns="" val="10010"/>
+                    <a16:rowId xmlns:a16="http://schemas.microsoft.com/office/drawing/2014/main" val="10010"/>
                   </a:ext>
                 </a:extLst>
               </a:tr>
@@ -5796,17 +5747,16 @@
                     <a:lstStyle/>
                     <a:p>
                       <a:r>
-                        <a:rPr lang="en-US" sz="1400" dirty="0" smtClean="0"/>
+                        <a:rPr lang="en-US" sz="1400" dirty="0"/>
                         <a:t>Done</a:t>
                       </a:r>
-                      <a:endParaRPr lang="en-US" sz="1400" dirty="0"/>
                     </a:p>
                   </a:txBody>
                   <a:tcPr/>
                 </a:tc>
                 <a:extLst>
                   <a:ext uri="{0D108BD9-81ED-4DB2-BD59-A6C34878D82A}">
-                    <a16:rowId xmlns:a16="http://schemas.microsoft.com/office/drawing/2014/main" xmlns="" val="10011"/>
+                    <a16:rowId xmlns:a16="http://schemas.microsoft.com/office/drawing/2014/main" val="10011"/>
                   </a:ext>
                 </a:extLst>
               </a:tr>
@@ -5931,21 +5881,21 @@
                 <a:gridCol w="3720214">
                   <a:extLst>
                     <a:ext uri="{9D8B030D-6E8A-4147-A177-3AD203B41FA5}">
-                      <a16:colId xmlns:a16="http://schemas.microsoft.com/office/drawing/2014/main" xmlns="" val="20000"/>
+                      <a16:colId xmlns:a16="http://schemas.microsoft.com/office/drawing/2014/main" val="20000"/>
                     </a:ext>
                   </a:extLst>
                 </a:gridCol>
                 <a:gridCol w="6601590">
                   <a:extLst>
                     <a:ext uri="{9D8B030D-6E8A-4147-A177-3AD203B41FA5}">
-                      <a16:colId xmlns:a16="http://schemas.microsoft.com/office/drawing/2014/main" xmlns="" val="20001"/>
+                      <a16:colId xmlns:a16="http://schemas.microsoft.com/office/drawing/2014/main" val="20001"/>
                     </a:ext>
                   </a:extLst>
                 </a:gridCol>
                 <a:gridCol w="838838">
                   <a:extLst>
                     <a:ext uri="{9D8B030D-6E8A-4147-A177-3AD203B41FA5}">
-                      <a16:colId xmlns:a16="http://schemas.microsoft.com/office/drawing/2014/main" xmlns="" val="20002"/>
+                      <a16:colId xmlns:a16="http://schemas.microsoft.com/office/drawing/2014/main" val="20002"/>
                     </a:ext>
                   </a:extLst>
                 </a:gridCol>
@@ -5992,7 +5942,7 @@
                 </a:tc>
                 <a:extLst>
                   <a:ext uri="{0D108BD9-81ED-4DB2-BD59-A6C34878D82A}">
-                    <a16:rowId xmlns:a16="http://schemas.microsoft.com/office/drawing/2014/main" xmlns="" val="10000"/>
+                    <a16:rowId xmlns:a16="http://schemas.microsoft.com/office/drawing/2014/main" val="10000"/>
                   </a:ext>
                 </a:extLst>
               </a:tr>
@@ -6077,17 +6027,16 @@
                     <a:lstStyle/>
                     <a:p>
                       <a:r>
-                        <a:rPr lang="en-US" sz="1400" dirty="0" smtClean="0"/>
+                        <a:rPr lang="en-US" sz="1400" dirty="0"/>
                         <a:t>Done</a:t>
                       </a:r>
-                      <a:endParaRPr lang="en-US" sz="1400" dirty="0"/>
                     </a:p>
                   </a:txBody>
                   <a:tcPr/>
                 </a:tc>
                 <a:extLst>
                   <a:ext uri="{0D108BD9-81ED-4DB2-BD59-A6C34878D82A}">
-                    <a16:rowId xmlns:a16="http://schemas.microsoft.com/office/drawing/2014/main" xmlns="" val="10001"/>
+                    <a16:rowId xmlns:a16="http://schemas.microsoft.com/office/drawing/2014/main" val="10001"/>
                   </a:ext>
                 </a:extLst>
               </a:tr>
@@ -6189,7 +6138,7 @@
                 </a:tc>
                 <a:extLst>
                   <a:ext uri="{0D108BD9-81ED-4DB2-BD59-A6C34878D82A}">
-                    <a16:rowId xmlns:a16="http://schemas.microsoft.com/office/drawing/2014/main" xmlns="" val="10002"/>
+                    <a16:rowId xmlns:a16="http://schemas.microsoft.com/office/drawing/2014/main" val="10002"/>
                   </a:ext>
                 </a:extLst>
               </a:tr>
@@ -6274,7 +6223,7 @@
                 </a:tc>
                 <a:extLst>
                   <a:ext uri="{0D108BD9-81ED-4DB2-BD59-A6C34878D82A}">
-                    <a16:rowId xmlns:a16="http://schemas.microsoft.com/office/drawing/2014/main" xmlns="" val="10003"/>
+                    <a16:rowId xmlns:a16="http://schemas.microsoft.com/office/drawing/2014/main" val="10003"/>
                   </a:ext>
                 </a:extLst>
               </a:tr>
@@ -6358,7 +6307,7 @@
                 </a:tc>
                 <a:extLst>
                   <a:ext uri="{0D108BD9-81ED-4DB2-BD59-A6C34878D82A}">
-                    <a16:rowId xmlns:a16="http://schemas.microsoft.com/office/drawing/2014/main" xmlns="" val="10004"/>
+                    <a16:rowId xmlns:a16="http://schemas.microsoft.com/office/drawing/2014/main" val="10004"/>
                   </a:ext>
                 </a:extLst>
               </a:tr>
@@ -6398,7 +6347,7 @@
                 </a:tc>
                 <a:extLst>
                   <a:ext uri="{0D108BD9-81ED-4DB2-BD59-A6C34878D82A}">
-                    <a16:rowId xmlns:a16="http://schemas.microsoft.com/office/drawing/2014/main" xmlns="" val="10005"/>
+                    <a16:rowId xmlns:a16="http://schemas.microsoft.com/office/drawing/2014/main" val="10005"/>
                   </a:ext>
                 </a:extLst>
               </a:tr>
@@ -6457,14 +6406,6 @@
               <a:rPr lang="en-US" dirty="0"/>
               <a:t>Business Goal</a:t>
             </a:r>
-            <a:r>
-              <a:rPr lang="en-US" dirty="0">
-                <a:solidFill>
-                  <a:srgbClr val="FF0000"/>
-                </a:solidFill>
-              </a:rPr>
-              <a:t/>
-            </a:r>
             <a:br>
               <a:rPr lang="en-US" dirty="0">
                 <a:solidFill>
@@ -6750,13 +6691,8 @@
           <a:p>
             <a:r>
               <a:rPr lang="en-US" dirty="0"/>
-              <a:t>machine-learning </a:t>
-            </a:r>
-            <a:r>
-              <a:rPr lang="en-US" dirty="0" smtClean="0"/>
-              <a:t>problem product</a:t>
-            </a:r>
-            <a:endParaRPr lang="en-US" dirty="0"/>
+              <a:t>machine-learning problem product</a:t>
+            </a:r>
           </a:p>
         </p:txBody>
       </p:sp>
@@ -6776,64 +6712,64 @@
           <a:lstStyle/>
           <a:p>
             <a:r>
-              <a:rPr lang="en-US" dirty="0" smtClean="0"/>
+              <a:rPr lang="en-US" dirty="0"/>
               <a:t>Currently:</a:t>
             </a:r>
           </a:p>
           <a:p>
             <a:pPr lvl="1"/>
             <a:r>
-              <a:rPr lang="en-US" dirty="0" smtClean="0"/>
+              <a:rPr lang="en-US" dirty="0"/>
               <a:t>Input: vector consisting year, country and selected features</a:t>
             </a:r>
           </a:p>
           <a:p>
             <a:pPr lvl="1"/>
             <a:r>
-              <a:rPr lang="en-US" dirty="0" smtClean="0"/>
+              <a:rPr lang="en-US" dirty="0"/>
               <a:t>Output: gap prediction between the median </a:t>
             </a:r>
             <a:r>
-              <a:rPr lang="en-US" dirty="0" err="1" smtClean="0"/>
+              <a:rPr lang="en-US" dirty="0" err="1"/>
               <a:t>sallaries</a:t>
             </a:r>
-            <a:endParaRPr lang="en-US" dirty="0" smtClean="0"/>
-          </a:p>
-          <a:p>
-            <a:endParaRPr lang="en-US" dirty="0" smtClean="0"/>
-          </a:p>
-          <a:p>
-            <a:r>
-              <a:rPr lang="en-US" dirty="0" smtClean="0"/>
+            <a:endParaRPr lang="en-US" dirty="0"/>
+          </a:p>
+          <a:p>
+            <a:endParaRPr lang="en-US" dirty="0"/>
+          </a:p>
+          <a:p>
+            <a:r>
+              <a:rPr lang="en-US" dirty="0"/>
               <a:t>Optional:</a:t>
             </a:r>
           </a:p>
           <a:p>
             <a:pPr lvl="1"/>
             <a:r>
-              <a:rPr lang="en-US" dirty="0" smtClean="0"/>
+              <a:rPr lang="en-US" dirty="0"/>
               <a:t>Input: matrix for all 35 countries and a specified year</a:t>
             </a:r>
           </a:p>
           <a:p>
             <a:pPr lvl="1"/>
             <a:r>
-              <a:rPr lang="en-US" dirty="0" smtClean="0"/>
+              <a:rPr lang="en-US" dirty="0"/>
               <a:t>Output: averaged </a:t>
             </a:r>
             <a:r>
-              <a:rPr lang="en-US" dirty="0" err="1" smtClean="0"/>
+              <a:rPr lang="en-US" dirty="0" err="1"/>
               <a:t>sallery</a:t>
             </a:r>
             <a:r>
-              <a:rPr lang="en-US" dirty="0" smtClean="0"/>
+              <a:rPr lang="en-US" dirty="0"/>
               <a:t> gap. </a:t>
             </a:r>
           </a:p>
           <a:p>
             <a:pPr lvl="1"/>
             <a:r>
-              <a:rPr lang="en-US" dirty="0" smtClean="0"/>
+              <a:rPr lang="en-US" dirty="0"/>
               <a:t>reduced variance assuming unbiased estimate</a:t>
             </a:r>
           </a:p>
@@ -6988,21 +6924,6 @@
   <p:clrMapOvr>
     <a:masterClrMapping/>
   </p:clrMapOvr>
-  <mc:AlternateContent xmlns:mc="http://schemas.openxmlformats.org/markup-compatibility/2006" xmlns:p14="http://schemas.microsoft.com/office/powerpoint/2010/main">
-    <mc:Choice Requires="p14">
-      <p:transition spd="slow" p14:dur="2000"/>
-    </mc:Choice>
-    <mc:Fallback xmlns="">
-      <p:transition spd="slow"/>
-    </mc:Fallback>
-  </mc:AlternateContent>
-  <p:timing>
-    <p:tnLst>
-      <p:par>
-        <p:cTn id="1" dur="indefinite" restart="never" nodeType="tmRoot"/>
-      </p:par>
-    </p:tnLst>
-  </p:timing>
 </p:sld>
 </file>
 
@@ -7042,17 +6963,8 @@
           <a:p>
             <a:r>
               <a:rPr lang="en-US" dirty="0"/>
-              <a:t>Data </a:t>
-            </a:r>
-            <a:r>
-              <a:rPr lang="en-US" dirty="0" smtClean="0"/>
-              <a:t>Preparation </a:t>
-            </a:r>
-            <a:r>
-              <a:rPr lang="en-US" dirty="0" smtClean="0"/>
-              <a:t>(1)</a:t>
-            </a:r>
-            <a:endParaRPr lang="en-US" dirty="0"/>
+              <a:t>Data Preparation (1)</a:t>
+            </a:r>
           </a:p>
         </p:txBody>
       </p:sp>
@@ -7077,18 +6989,86 @@
           <a:lstStyle/>
           <a:p>
             <a:r>
-              <a:rPr lang="en-US" dirty="0" smtClean="0"/>
+              <a:rPr lang="en-US" dirty="0"/>
+              <a:t>Gender Stats CSV:</a:t>
+            </a:r>
+          </a:p>
+          <a:p>
+            <a:pPr lvl="1"/>
+            <a:r>
+              <a:rPr lang="en-US" dirty="0"/>
               <a:t>Travers </a:t>
             </a:r>
             <a:r>
-              <a:rPr lang="en-US" dirty="0" err="1" smtClean="0"/>
+              <a:rPr lang="en-US" dirty="0" err="1"/>
               <a:t>GenderStats</a:t>
             </a:r>
             <a:r>
-              <a:rPr lang="en-US" dirty="0" smtClean="0"/>
-              <a:t> Columns</a:t>
+              <a:rPr lang="en-US" dirty="0"/>
+              <a:t> rows to columns.</a:t>
+            </a:r>
+          </a:p>
+          <a:p>
+            <a:pPr lvl="1"/>
+            <a:r>
+              <a:rPr lang="en-US" dirty="0"/>
+              <a:t>Remove unnecessary columns.</a:t>
+            </a:r>
+          </a:p>
+          <a:p>
+            <a:r>
+              <a:rPr lang="en-US" dirty="0"/>
+              <a:t>OECD Wage gap CSV:</a:t>
+            </a:r>
+          </a:p>
+          <a:p>
+            <a:pPr lvl="1"/>
+            <a:r>
+              <a:rPr lang="en-US" dirty="0"/>
+              <a:t>Add header</a:t>
+            </a:r>
+          </a:p>
+          <a:p>
+            <a:pPr lvl="1"/>
+            <a:r>
+              <a:rPr lang="en-US" dirty="0"/>
+              <a:t>Remove unnecessary columns.</a:t>
+            </a:r>
+          </a:p>
+          <a:p>
+            <a:pPr lvl="1"/>
+            <a:r>
+              <a:rPr lang="en-US" dirty="0"/>
+              <a:t>Remove duplicate rows for the same year (Total and self employed in the same year for some countries)</a:t>
             </a:r>
             <a:endParaRPr lang="en-US" dirty="0"/>
+          </a:p>
+          <a:p>
+            <a:r>
+              <a:rPr lang="en-US" dirty="0"/>
+              <a:t>Merge the two CSVs on Year and Country</a:t>
+            </a:r>
+          </a:p>
+          <a:p>
+            <a:r>
+              <a:rPr lang="en-US" dirty="0"/>
+              <a:t>Remove all rows with a certain percentage of </a:t>
+            </a:r>
+            <a:r>
+              <a:rPr lang="en-US" dirty="0" err="1"/>
+              <a:t>NaNs</a:t>
+            </a:r>
+            <a:r>
+              <a:rPr lang="en-US" dirty="0"/>
+              <a:t>:</a:t>
+            </a:r>
+          </a:p>
+          <a:p>
+            <a:pPr lvl="1"/>
+            <a:r>
+              <a:rPr lang="en-US" dirty="0"/>
+              <a:t>We examined several thresholds and chose to go with 0.9.</a:t>
+            </a:r>
           </a:p>
           <a:p>
             <a:endParaRPr lang="en-US" dirty="0"/>
@@ -7120,18 +7100,11 @@
   <p:clrMapOvr>
     <a:masterClrMapping/>
   </p:clrMapOvr>
-  <p:timing>
-    <p:tnLst>
-      <p:par>
-        <p:cTn id="1" dur="indefinite" restart="never" nodeType="tmRoot"/>
-      </p:par>
-    </p:tnLst>
-  </p:timing>
 </p:sld>
 </file>
 
 <file path=ppt/slides/slide7.xml><?xml version="1.0" encoding="utf-8"?>
-<p:sld xmlns:a="http://schemas.openxmlformats.org/drawingml/2006/main" xmlns:r="http://schemas.openxmlformats.org/officeDocument/2006/relationships" xmlns:p="http://schemas.openxmlformats.org/presentationml/2006/main">
+<p:sld xmlns:a="http://schemas.openxmlformats.org/drawingml/2006/main" xmlns:r="http://schemas.openxmlformats.org/officeDocument/2006/relationships" xmlns:p="http://schemas.openxmlformats.org/presentationml/2006/main" show="0">
   <p:cSld>
     <p:spTree>
       <p:nvGrpSpPr>
@@ -7240,13 +7213,6 @@
   <p:clrMapOvr>
     <a:masterClrMapping/>
   </p:clrMapOvr>
-  <p:timing>
-    <p:tnLst>
-      <p:par>
-        <p:cTn id="1" dur="indefinite" restart="never" nodeType="tmRoot"/>
-      </p:par>
-    </p:tnLst>
-  </p:timing>
 </p:sld>
 </file>
 
@@ -7283,10 +7249,9 @@
           <a:lstStyle/>
           <a:p>
             <a:r>
-              <a:rPr lang="en-US" dirty="0" smtClean="0"/>
+              <a:rPr lang="en-US" dirty="0"/>
               <a:t>Specified Data Types</a:t>
             </a:r>
-            <a:endParaRPr lang="en-US" dirty="0"/>
           </a:p>
         </p:txBody>
       </p:sp>
@@ -7306,16 +7271,15 @@
           <a:lstStyle/>
           <a:p>
             <a:r>
-              <a:rPr lang="en-US" dirty="0" smtClean="0"/>
+              <a:rPr lang="en-US" dirty="0"/>
               <a:t>Countries are binaries indicators (treated as integers – {0,1})</a:t>
             </a:r>
           </a:p>
           <a:p>
             <a:r>
-              <a:rPr lang="en-US" dirty="0" smtClean="0"/>
+              <a:rPr lang="en-US" dirty="0"/>
               <a:t>All other features are float.</a:t>
             </a:r>
-            <a:endParaRPr lang="en-US" dirty="0"/>
           </a:p>
         </p:txBody>
       </p:sp>
@@ -7329,13 +7293,6 @@
   <p:clrMapOvr>
     <a:masterClrMapping/>
   </p:clrMapOvr>
-  <p:timing>
-    <p:tnLst>
-      <p:par>
-        <p:cTn id="1" dur="indefinite" restart="never" nodeType="tmRoot"/>
-      </p:par>
-    </p:tnLst>
-  </p:timing>
 </p:sld>
 </file>
 
@@ -7372,10 +7329,9 @@
           <a:lstStyle/>
           <a:p>
             <a:r>
-              <a:rPr lang="en-US" dirty="0" smtClean="0"/>
+              <a:rPr lang="en-US" dirty="0"/>
               <a:t>Fill Missing data</a:t>
             </a:r>
-            <a:endParaRPr lang="en-US" dirty="0"/>
           </a:p>
         </p:txBody>
       </p:sp>
@@ -7394,7 +7350,10 @@
           <a:bodyPr/>
           <a:lstStyle/>
           <a:p>
-            <a:endParaRPr lang="en-US"/>
+            <a:r>
+              <a:rPr lang="en-US" dirty="0"/>
+              <a:t>We examined a few methods to fill the missing data for some features on some years</a:t>
+            </a:r>
           </a:p>
         </p:txBody>
       </p:sp>
@@ -7408,13 +7367,6 @@
   <p:clrMapOvr>
     <a:masterClrMapping/>
   </p:clrMapOvr>
-  <p:timing>
-    <p:tnLst>
-      <p:par>
-        <p:cTn id="1" dur="indefinite" restart="never" nodeType="tmRoot"/>
-      </p:par>
-    </p:tnLst>
-  </p:timing>
 </p:sld>
 </file>
 

--- a/Sallary gap predictionfrom Presentation 1_1_17.pptx
+++ b/Sallary gap predictionfrom Presentation 1_1_17.pptx
@@ -4272,7 +4272,7 @@
           <a:lstStyle/>
           <a:p>
             <a:r>
-              <a:rPr lang="en-US" dirty="0" err="1"/>
+              <a:rPr lang="en-US"/>
               <a:t>Sallary</a:t>
             </a:r>
             <a:r>
@@ -7041,7 +7041,6 @@
               <a:rPr lang="en-US" dirty="0"/>
               <a:t>Remove duplicate rows for the same year (Total and self employed in the same year for some countries)</a:t>
             </a:r>
-            <a:endParaRPr lang="en-US" dirty="0"/>
           </a:p>
           <a:p>
             <a:r>
